--- a/OpenSourceProgrammingFinal.pptx
+++ b/OpenSourceProgrammingFinal.pptx
@@ -5,7 +5,7 @@
     <p:sldMasterId id="2147483648" r:id="rId1"/>
   </p:sldMasterIdLst>
   <p:notesMasterIdLst>
-    <p:notesMasterId r:id="rId17"/>
+    <p:notesMasterId r:id="rId18"/>
   </p:notesMasterIdLst>
   <p:sldIdLst>
     <p:sldId id="256" r:id="rId2"/>
@@ -22,7 +22,8 @@
     <p:sldId id="277" r:id="rId13"/>
     <p:sldId id="275" r:id="rId14"/>
     <p:sldId id="265" r:id="rId15"/>
-    <p:sldId id="272" r:id="rId16"/>
+    <p:sldId id="278" r:id="rId16"/>
+    <p:sldId id="272" r:id="rId17"/>
   </p:sldIdLst>
   <p:sldSz cx="18288000" cy="10287000"/>
   <p:notesSz cx="10287000" cy="18288000"/>
@@ -3587,7 +3588,7 @@
         <p:spPr>
           <a:xfrm>
             <a:off x="1823340" y="4087403"/>
-            <a:ext cx="16771573" cy="3333370"/>
+            <a:ext cx="16771573" cy="2015936"/>
           </a:xfrm>
           <a:prstGeom prst="rect">
             <a:avLst/>
@@ -3605,12 +3606,16 @@
                 <a:solidFill>
                   <a:srgbClr val="FFFFFF"/>
                 </a:solidFill>
-                <a:latin typeface="Jalnan OTF" pitchFamily="34" charset="0"/>
+                <a:latin typeface="SB 어그로 Bold" panose="02020603020101020101" pitchFamily="18" charset="-127"/>
+                <a:ea typeface="SB 어그로 Bold" panose="02020603020101020101" pitchFamily="18" charset="-127"/>
                 <a:cs typeface="Jalnan OTF" pitchFamily="34" charset="0"/>
               </a:rPr>
               <a:t>프레젠테이션</a:t>
             </a:r>
-            <a:endParaRPr lang="en-US" dirty="0"/>
+            <a:endParaRPr lang="en-US" dirty="0">
+              <a:latin typeface="SB 어그로 Bold" panose="02020603020101020101" pitchFamily="18" charset="-127"/>
+              <a:ea typeface="SB 어그로 Bold" panose="02020603020101020101" pitchFamily="18" charset="-127"/>
+            </a:endParaRPr>
           </a:p>
         </p:txBody>
       </p:sp>
@@ -3638,15 +3643,22 @@
           <a:p>
             <a:r>
               <a:rPr lang="en-US" altLang="ko-KR" sz="9600" kern="0" spc="-900" dirty="0">
-                <a:ea typeface="+mn-lt"/>
+                <a:latin typeface="SB 어그로 Bold" panose="02020603020101020101" pitchFamily="18" charset="-127"/>
+                <a:ea typeface="SB 어그로 Bold" panose="02020603020101020101" pitchFamily="18" charset="-127"/>
                 <a:cs typeface="+mn-lt"/>
               </a:rPr>
               <a:t>Hand Figuration</a:t>
             </a:r>
-            <a:endParaRPr lang="ko-KR" dirty="0"/>
-          </a:p>
-          <a:p>
-            <a:endParaRPr lang="ko-KR" dirty="0"/>
+            <a:endParaRPr lang="ko-KR" dirty="0">
+              <a:latin typeface="SB 어그로 Bold" panose="02020603020101020101" pitchFamily="18" charset="-127"/>
+              <a:ea typeface="SB 어그로 Bold" panose="02020603020101020101" pitchFamily="18" charset="-127"/>
+            </a:endParaRPr>
+          </a:p>
+          <a:p>
+            <a:endParaRPr lang="ko-KR" dirty="0">
+              <a:latin typeface="SB 어그로 Bold" panose="02020603020101020101" pitchFamily="18" charset="-127"/>
+              <a:ea typeface="SB 어그로 Bold" panose="02020603020101020101" pitchFamily="18" charset="-127"/>
+            </a:endParaRPr>
           </a:p>
         </p:txBody>
       </p:sp>
@@ -3677,7 +3689,8 @@
                 <a:solidFill>
                   <a:srgbClr val="000000"/>
                 </a:solidFill>
-                <a:latin typeface="S-Core Dream 5 Medium"/>
+                <a:latin typeface="SB 어그로 Bold" panose="02020603020101020101" pitchFamily="18" charset="-127"/>
+                <a:ea typeface="SB 어그로 Bold" panose="02020603020101020101" pitchFamily="18" charset="-127"/>
               </a:rPr>
               <a:t>T</a:t>
             </a:r>
@@ -3686,12 +3699,14 @@
                 <a:solidFill>
                   <a:srgbClr val="000000"/>
                 </a:solidFill>
-                <a:latin typeface="S-Core Dream 5 Medium"/>
+                <a:latin typeface="SB 어그로 Bold" panose="02020603020101020101" pitchFamily="18" charset="-127"/>
+                <a:ea typeface="SB 어그로 Bold" panose="02020603020101020101" pitchFamily="18" charset="-127"/>
               </a:rPr>
               <a:t>eam3</a:t>
             </a:r>
             <a:endParaRPr lang="ko-KR" altLang="en-US" sz="6000" kern="0" spc="-200" dirty="0">
-              <a:latin typeface="S-Core Dream 5 Medium"/>
+              <a:latin typeface="SB 어그로 Bold" panose="02020603020101020101" pitchFamily="18" charset="-127"/>
+              <a:ea typeface="SB 어그로 Bold" panose="02020603020101020101" pitchFamily="18" charset="-127"/>
             </a:endParaRPr>
           </a:p>
         </p:txBody>
@@ -3724,7 +3739,8 @@
                 <a:solidFill>
                   <a:srgbClr val="FFFFFF"/>
                 </a:solidFill>
-                <a:latin typeface="Jalnan OTF"/>
+                <a:latin typeface="SB 어그로 Bold" panose="02020603020101020101" pitchFamily="18" charset="-127"/>
+                <a:ea typeface="SB 어그로 Bold" panose="02020603020101020101" pitchFamily="18" charset="-127"/>
                 <a:cs typeface="Jalnan OTF" pitchFamily="34" charset="0"/>
               </a:rPr>
               <a:t>Start </a:t>
@@ -3734,13 +3750,15 @@
                 <a:solidFill>
                   <a:srgbClr val="FFFFFF"/>
                 </a:solidFill>
-                <a:latin typeface="Jalnan OTF"/>
+                <a:latin typeface="SB 어그로 Bold" panose="02020603020101020101" pitchFamily="18" charset="-127"/>
+                <a:ea typeface="SB 어그로 Bold" panose="02020603020101020101" pitchFamily="18" charset="-127"/>
                 <a:cs typeface="Jalnan OTF" pitchFamily="34" charset="0"/>
               </a:rPr>
               <a:t>&gt;</a:t>
             </a:r>
             <a:endParaRPr lang="en-US" dirty="0">
-              <a:latin typeface="Jalnan OTF"/>
+              <a:latin typeface="SB 어그로 Bold" panose="02020603020101020101" pitchFamily="18" charset="-127"/>
+              <a:ea typeface="SB 어그로 Bold" panose="02020603020101020101" pitchFamily="18" charset="-127"/>
             </a:endParaRPr>
           </a:p>
         </p:txBody>
@@ -3811,7 +3829,8 @@
                 <a:solidFill>
                   <a:srgbClr val="FFFFFF"/>
                 </a:solidFill>
-                <a:latin typeface="S-Core Dream 4 Regular"/>
+                <a:latin typeface="SB 어그로 Light" panose="02020603020101020101" pitchFamily="18" charset="-127"/>
+                <a:ea typeface="SB 어그로 Light" panose="02020603020101020101" pitchFamily="18" charset="-127"/>
               </a:rPr>
               <a:t>김동한,김재홍,박준하,이재욱,최우준</a:t>
             </a:r>
@@ -3846,11 +3865,15 @@
                 <a:solidFill>
                   <a:srgbClr val="FFFFFF"/>
                 </a:solidFill>
-                <a:latin typeface="S-Core Dream 4 Regular"/>
+                <a:latin typeface="SB 어그로 Bold" panose="02020603020101020101" pitchFamily="18" charset="-127"/>
+                <a:ea typeface="SB 어그로 Bold" panose="02020603020101020101" pitchFamily="18" charset="-127"/>
               </a:rPr>
               <a:t>2021/12/21</a:t>
             </a:r>
-            <a:endParaRPr lang="en-US" dirty="0"/>
+            <a:endParaRPr lang="en-US" dirty="0">
+              <a:latin typeface="SB 어그로 Bold" panose="02020603020101020101" pitchFamily="18" charset="-127"/>
+              <a:ea typeface="SB 어그로 Bold" panose="02020603020101020101" pitchFamily="18" charset="-127"/>
+            </a:endParaRPr>
           </a:p>
         </p:txBody>
       </p:sp>
@@ -3973,7 +3996,7 @@
         </p:nvSpPr>
         <p:spPr>
           <a:xfrm>
-            <a:off x="1371600" y="2567050"/>
+            <a:off x="1219200" y="1901674"/>
             <a:ext cx="6114179" cy="954107"/>
           </a:xfrm>
           <a:prstGeom prst="rect">
@@ -3989,24 +4012,28 @@
           <a:p>
             <a:r>
               <a:rPr lang="en-US" altLang="ko-KR" sz="5600" kern="0" spc="-100" dirty="0">
-                <a:latin typeface="Jalnan OTF"/>
+                <a:latin typeface="SB 어그로 Bold" panose="02020603020101020101" pitchFamily="18" charset="-127"/>
+                <a:ea typeface="SB 어그로 Bold" panose="02020603020101020101" pitchFamily="18" charset="-127"/>
               </a:rPr>
               <a:t>MIT</a:t>
             </a:r>
             <a:r>
               <a:rPr lang="ko-KR" altLang="en-US" sz="5600" kern="0" spc="-100" dirty="0">
-                <a:latin typeface="Jalnan OTF"/>
+                <a:latin typeface="SB 어그로 Bold" panose="02020603020101020101" pitchFamily="18" charset="-127"/>
+                <a:ea typeface="SB 어그로 Bold" panose="02020603020101020101" pitchFamily="18" charset="-127"/>
               </a:rPr>
               <a:t> </a:t>
             </a:r>
             <a:r>
               <a:rPr lang="ko-KR" altLang="en-US" sz="5600" kern="0" spc="-100" dirty="0" err="1">
-                <a:latin typeface="Jalnan OTF"/>
+                <a:latin typeface="SB 어그로 Bold" panose="02020603020101020101" pitchFamily="18" charset="-127"/>
+                <a:ea typeface="SB 어그로 Bold" panose="02020603020101020101" pitchFamily="18" charset="-127"/>
               </a:rPr>
               <a:t>Licenses</a:t>
             </a:r>
             <a:endParaRPr lang="ko-KR" altLang="en-US" sz="5600" kern="0" spc="-100" dirty="0">
-              <a:latin typeface="Jalnan OTF"/>
+              <a:latin typeface="SB 어그로 Bold" panose="02020603020101020101" pitchFamily="18" charset="-127"/>
+              <a:ea typeface="SB 어그로 Bold" panose="02020603020101020101" pitchFamily="18" charset="-127"/>
             </a:endParaRPr>
           </a:p>
         </p:txBody>
@@ -4019,8 +4046,8 @@
         </p:nvSpPr>
         <p:spPr>
           <a:xfrm>
-            <a:off x="11814450" y="3183372"/>
-            <a:ext cx="5598691" cy="3785652"/>
+            <a:off x="11825028" y="3432796"/>
+            <a:ext cx="5598691" cy="4247317"/>
           </a:xfrm>
           <a:prstGeom prst="rect">
             <a:avLst/>
@@ -4039,12 +4066,14 @@
                   <a:srgbClr val="000000"/>
                 </a:solidFill>
                 <a:effectLst/>
-                <a:latin typeface="Noto Sans" panose="020B0502040504020204" pitchFamily="34" charset="0"/>
+                <a:latin typeface="SB 어그로 Light" panose="02020603020101020101" pitchFamily="18" charset="-127"/>
+                <a:ea typeface="SB 어그로 Light" panose="02020603020101020101" pitchFamily="18" charset="-127"/>
               </a:rPr>
               <a:t>Among the licenses of the library used in our team project, MIT license and Apache 2 license are Permissive licenses that allow Re-licensing, so we decided to use MIT license for our project after Re-licensing.</a:t>
             </a:r>
             <a:endParaRPr lang="en-US" sz="3000" kern="0" spc="-100" dirty="0">
-              <a:latin typeface="S-Core Dream 4 Regular"/>
+              <a:latin typeface="SB 어그로 Light" panose="02020603020101020101" pitchFamily="18" charset="-127"/>
+              <a:ea typeface="SB 어그로 Light" panose="02020603020101020101" pitchFamily="18" charset="-127"/>
             </a:endParaRPr>
           </a:p>
         </p:txBody>
@@ -4215,7 +4244,7 @@
         </p:nvGrpSpPr>
         <p:grpSpPr>
           <a:xfrm>
-            <a:off x="705274" y="686772"/>
+            <a:off x="705274" y="601047"/>
             <a:ext cx="16875166" cy="8912169"/>
             <a:chOff x="705274" y="686772"/>
             <a:chExt cx="16875166" cy="8912169"/>
@@ -4274,11 +4303,15 @@
                 <a:solidFill>
                   <a:srgbClr val="000000"/>
                 </a:solidFill>
-                <a:latin typeface="Jalnan OTF"/>
+                <a:latin typeface="SB 어그로 Bold" panose="02020603020101020101" pitchFamily="18" charset="-127"/>
+                <a:ea typeface="SB 어그로 Bold" panose="02020603020101020101" pitchFamily="18" charset="-127"/>
               </a:rPr>
               <a:t>05</a:t>
             </a:r>
-            <a:endParaRPr lang="en-US" dirty="0"/>
+            <a:endParaRPr lang="en-US" dirty="0">
+              <a:latin typeface="SB 어그로 Bold" panose="02020603020101020101" pitchFamily="18" charset="-127"/>
+              <a:ea typeface="SB 어그로 Bold" panose="02020603020101020101" pitchFamily="18" charset="-127"/>
+            </a:endParaRPr>
           </a:p>
         </p:txBody>
       </p:sp>
@@ -4329,8 +4362,8 @@
         </p:nvSpPr>
         <p:spPr>
           <a:xfrm>
-            <a:off x="1970699" y="3954889"/>
-            <a:ext cx="10729666" cy="3077766"/>
+            <a:off x="2133600" y="4229100"/>
+            <a:ext cx="10729666" cy="2585323"/>
           </a:xfrm>
           <a:prstGeom prst="rect">
             <a:avLst/>
@@ -4344,57 +4377,78 @@
           <a:lstStyle/>
           <a:p>
             <a:r>
-              <a:rPr lang="ko-KR" sz="8800" b="1" kern="0" spc="-200" dirty="0" err="1">
-                <a:ea typeface="+mn-lt"/>
+              <a:rPr lang="ko-KR" sz="7200" b="1" kern="0" spc="-200" dirty="0" err="1">
+                <a:latin typeface="SB 어그로 Bold" panose="02020603020101020101" pitchFamily="18" charset="-127"/>
+                <a:ea typeface="SB 어그로 Bold" panose="02020603020101020101" pitchFamily="18" charset="-127"/>
                 <a:cs typeface="+mn-lt"/>
               </a:rPr>
               <a:t>Demo</a:t>
             </a:r>
             <a:r>
-              <a:rPr lang="ko-KR" sz="8800" b="1" kern="0" spc="-200" dirty="0">
-                <a:ea typeface="+mn-lt"/>
+              <a:rPr lang="ko-KR" sz="7200" b="1" kern="0" spc="-200" dirty="0">
+                <a:latin typeface="SB 어그로 Bold" panose="02020603020101020101" pitchFamily="18" charset="-127"/>
+                <a:ea typeface="SB 어그로 Bold" panose="02020603020101020101" pitchFamily="18" charset="-127"/>
                 <a:cs typeface="+mn-lt"/>
               </a:rPr>
               <a:t> </a:t>
             </a:r>
             <a:r>
-              <a:rPr lang="ko-KR" sz="8800" b="1" kern="0" spc="-200" dirty="0" err="1">
-                <a:ea typeface="+mn-lt"/>
+              <a:rPr lang="ko-KR" sz="7200" b="1" kern="0" spc="-200" dirty="0" err="1">
+                <a:latin typeface="SB 어그로 Bold" panose="02020603020101020101" pitchFamily="18" charset="-127"/>
+                <a:ea typeface="SB 어그로 Bold" panose="02020603020101020101" pitchFamily="18" charset="-127"/>
                 <a:cs typeface="+mn-lt"/>
               </a:rPr>
               <a:t>videos</a:t>
             </a:r>
             <a:r>
-              <a:rPr lang="ko-KR" sz="8800" b="1" kern="0" spc="-200" dirty="0">
-                <a:ea typeface="+mn-lt"/>
+              <a:rPr lang="ko-KR" sz="7200" b="1" kern="0" spc="-200" dirty="0">
+                <a:latin typeface="SB 어그로 Bold" panose="02020603020101020101" pitchFamily="18" charset="-127"/>
+                <a:ea typeface="SB 어그로 Bold" panose="02020603020101020101" pitchFamily="18" charset="-127"/>
                 <a:cs typeface="+mn-lt"/>
               </a:rPr>
-              <a:t> and</a:t>
+              <a:t> </a:t>
+            </a:r>
+            <a:r>
+              <a:rPr lang="en-US" altLang="ko-KR" sz="7200" b="1" kern="0" spc="-200" dirty="0">
+                <a:latin typeface="SB 어그로 Bold" panose="02020603020101020101" pitchFamily="18" charset="-127"/>
+                <a:ea typeface="SB 어그로 Bold" panose="02020603020101020101" pitchFamily="18" charset="-127"/>
+                <a:cs typeface="+mn-lt"/>
+              </a:rPr>
+              <a:t>&amp;</a:t>
             </a:r>
             <a:br>
-              <a:rPr lang="ko-KR" sz="8800" b="1" kern="0" spc="-200" dirty="0">
-                <a:ea typeface="+mn-lt"/>
+              <a:rPr lang="ko-KR" sz="7200" b="1" kern="0" spc="-200" dirty="0">
+                <a:latin typeface="SB 어그로 Bold" panose="02020603020101020101" pitchFamily="18" charset="-127"/>
+                <a:ea typeface="SB 어그로 Bold" panose="02020603020101020101" pitchFamily="18" charset="-127"/>
                 <a:cs typeface="+mn-lt"/>
               </a:rPr>
             </a:br>
             <a:r>
-              <a:rPr lang="ko-KR" sz="8800" b="1" kern="0" spc="-200" dirty="0" err="1">
-                <a:ea typeface="+mn-lt"/>
+              <a:rPr lang="ko-KR" sz="7200" b="1" kern="0" spc="-200" dirty="0" err="1">
+                <a:latin typeface="SB 어그로 Bold" panose="02020603020101020101" pitchFamily="18" charset="-127"/>
+                <a:ea typeface="SB 어그로 Bold" panose="02020603020101020101" pitchFamily="18" charset="-127"/>
                 <a:cs typeface="+mn-lt"/>
               </a:rPr>
               <a:t>Demo</a:t>
             </a:r>
             <a:r>
-              <a:rPr lang="ko-KR" sz="8800" b="1" kern="0" spc="-200" dirty="0">
-                <a:ea typeface="+mn-lt"/>
+              <a:rPr lang="ko-KR" sz="7200" b="1" kern="0" spc="-200" dirty="0">
+                <a:latin typeface="SB 어그로 Bold" panose="02020603020101020101" pitchFamily="18" charset="-127"/>
+                <a:ea typeface="SB 어그로 Bold" panose="02020603020101020101" pitchFamily="18" charset="-127"/>
                 <a:cs typeface="+mn-lt"/>
               </a:rPr>
-              <a:t> Live.</a:t>
-            </a:r>
-            <a:endParaRPr lang="ko-KR" sz="8800" b="1" dirty="0"/>
-          </a:p>
-          <a:p>
-            <a:endParaRPr lang="ko-KR"/>
+              <a:t> Live</a:t>
+            </a:r>
+            <a:endParaRPr lang="ko-KR" sz="7200" b="1" dirty="0">
+              <a:latin typeface="SB 어그로 Bold" panose="02020603020101020101" pitchFamily="18" charset="-127"/>
+              <a:ea typeface="SB 어그로 Bold" panose="02020603020101020101" pitchFamily="18" charset="-127"/>
+            </a:endParaRPr>
+          </a:p>
+          <a:p>
+            <a:endParaRPr lang="ko-KR" dirty="0">
+              <a:latin typeface="SB 어그로 Bold" panose="02020603020101020101" pitchFamily="18" charset="-127"/>
+              <a:ea typeface="SB 어그로 Bold" panose="02020603020101020101" pitchFamily="18" charset="-127"/>
+            </a:endParaRPr>
           </a:p>
         </p:txBody>
       </p:sp>
@@ -4607,7 +4661,7 @@
         <p:spPr>
           <a:xfrm>
             <a:off x="5771007" y="2247900"/>
-            <a:ext cx="6743700" cy="830997"/>
+            <a:ext cx="6743700" cy="1323439"/>
           </a:xfrm>
           <a:prstGeom prst="rect">
             <a:avLst/>
@@ -4625,10 +4679,12 @@
           <a:p>
             <a:pPr algn="ctr"/>
             <a:r>
-              <a:rPr lang="ko-KR" altLang="en-US" sz="4800" b="1" dirty="0">
+              <a:rPr lang="ko-KR" altLang="en-US" sz="8000" b="1" dirty="0">
                 <a:solidFill>
                   <a:srgbClr val="FF0000"/>
                 </a:solidFill>
+                <a:latin typeface="SB 어그로 Bold" panose="02020603020101020101" pitchFamily="18" charset="-127"/>
+                <a:ea typeface="SB 어그로 Bold" panose="02020603020101020101" pitchFamily="18" charset="-127"/>
               </a:rPr>
               <a:t>데모 영상 </a:t>
             </a:r>
@@ -4740,11 +4796,15 @@
                 <a:solidFill>
                   <a:srgbClr val="000000"/>
                 </a:solidFill>
-                <a:latin typeface="Jalnan OTF"/>
+                <a:latin typeface="SB 어그로 Bold" panose="02020603020101020101" pitchFamily="18" charset="-127"/>
+                <a:ea typeface="SB 어그로 Bold" panose="02020603020101020101" pitchFamily="18" charset="-127"/>
               </a:rPr>
               <a:t>06</a:t>
             </a:r>
-            <a:endParaRPr lang="en-US" dirty="0"/>
+            <a:endParaRPr lang="en-US" dirty="0">
+              <a:latin typeface="SB 어그로 Bold" panose="02020603020101020101" pitchFamily="18" charset="-127"/>
+              <a:ea typeface="SB 어그로 Bold" panose="02020603020101020101" pitchFamily="18" charset="-127"/>
+            </a:endParaRPr>
           </a:p>
         </p:txBody>
       </p:sp>
@@ -4795,8 +4855,8 @@
         </p:nvSpPr>
         <p:spPr>
           <a:xfrm>
-            <a:off x="1555334" y="3372682"/>
-            <a:ext cx="11134571" cy="2831544"/>
+            <a:off x="1600200" y="3522525"/>
+            <a:ext cx="11134571" cy="2585323"/>
           </a:xfrm>
           <a:prstGeom prst="rect">
             <a:avLst/>
@@ -4810,60 +4870,72 @@
           <a:lstStyle/>
           <a:p>
             <a:r>
-              <a:rPr lang="en-US" altLang="ko-KR" sz="8000" b="1" kern="0" spc="-200" dirty="0">
-                <a:ea typeface="+mn-lt"/>
+              <a:rPr lang="en-US" altLang="ko-KR" sz="7200" b="1" kern="0" spc="-200" dirty="0">
+                <a:latin typeface="SB 어그로 Bold" panose="02020603020101020101" pitchFamily="18" charset="-127"/>
+                <a:ea typeface="SB 어그로 Bold" panose="02020603020101020101" pitchFamily="18" charset="-127"/>
                 <a:cs typeface="+mn-lt"/>
               </a:rPr>
               <a:t>Milestone</a:t>
             </a:r>
             <a:r>
-              <a:rPr lang="ko-KR" altLang="en-US" sz="8000" b="1" kern="0" spc="-200" dirty="0">
-                <a:ea typeface="+mn-lt"/>
+              <a:rPr lang="ko-KR" altLang="en-US" sz="7200" b="1" kern="0" spc="-200" dirty="0">
+                <a:latin typeface="SB 어그로 Bold" panose="02020603020101020101" pitchFamily="18" charset="-127"/>
+                <a:ea typeface="SB 어그로 Bold" panose="02020603020101020101" pitchFamily="18" charset="-127"/>
                 <a:cs typeface="+mn-lt"/>
               </a:rPr>
               <a:t> </a:t>
             </a:r>
             <a:r>
-              <a:rPr lang="en-US" altLang="ko-KR" sz="8000" b="1" kern="0" spc="-200" dirty="0">
-                <a:ea typeface="+mn-lt"/>
+              <a:rPr lang="en-US" altLang="ko-KR" sz="7200" b="1" kern="0" spc="-200" dirty="0">
+                <a:latin typeface="SB 어그로 Bold" panose="02020603020101020101" pitchFamily="18" charset="-127"/>
+                <a:ea typeface="SB 어그로 Bold" panose="02020603020101020101" pitchFamily="18" charset="-127"/>
                 <a:cs typeface="+mn-lt"/>
               </a:rPr>
-              <a:t>and</a:t>
-            </a:r>
-            <a:r>
-              <a:rPr lang="ko-KR" altLang="en-US" sz="8000" b="1" kern="0" spc="-200" dirty="0">
-                <a:ea typeface="+mn-lt"/>
+              <a:t>&amp;</a:t>
+            </a:r>
+            <a:r>
+              <a:rPr lang="ko-KR" altLang="en-US" sz="7200" b="1" kern="0" spc="-200" dirty="0">
+                <a:latin typeface="SB 어그로 Bold" panose="02020603020101020101" pitchFamily="18" charset="-127"/>
+                <a:ea typeface="SB 어그로 Bold" panose="02020603020101020101" pitchFamily="18" charset="-127"/>
                 <a:cs typeface="+mn-lt"/>
               </a:rPr>
               <a:t> </a:t>
             </a:r>
             <a:r>
-              <a:rPr lang="en-US" altLang="ko-KR" sz="8000" b="1" kern="0" spc="-200" dirty="0">
-                <a:ea typeface="+mn-lt"/>
+              <a:rPr lang="en-US" altLang="ko-KR" sz="7200" b="1" kern="0" spc="-200" dirty="0">
+                <a:latin typeface="SB 어그로 Bold" panose="02020603020101020101" pitchFamily="18" charset="-127"/>
+                <a:ea typeface="SB 어그로 Bold" panose="02020603020101020101" pitchFamily="18" charset="-127"/>
                 <a:cs typeface="+mn-lt"/>
               </a:rPr>
-              <a:t>achievement</a:t>
-            </a:r>
-            <a:r>
-              <a:rPr lang="ko-KR" altLang="en-US" sz="8000" b="1" kern="0" spc="-200" dirty="0">
-                <a:ea typeface="+mn-lt"/>
+              <a:t>Achievement</a:t>
+            </a:r>
+            <a:r>
+              <a:rPr lang="ko-KR" altLang="en-US" sz="7200" b="1" kern="0" spc="-200" dirty="0">
+                <a:latin typeface="SB 어그로 Bold" panose="02020603020101020101" pitchFamily="18" charset="-127"/>
+                <a:ea typeface="SB 어그로 Bold" panose="02020603020101020101" pitchFamily="18" charset="-127"/>
                 <a:cs typeface="+mn-lt"/>
               </a:rPr>
               <a:t> </a:t>
             </a:r>
             <a:r>
-              <a:rPr lang="en-US" altLang="ko-KR" sz="8000" b="1" kern="0" spc="-200" dirty="0">
-                <a:ea typeface="+mn-lt"/>
+              <a:rPr lang="en-US" altLang="ko-KR" sz="7200" b="1" kern="0" spc="-200" dirty="0">
+                <a:latin typeface="SB 어그로 Bold" panose="02020603020101020101" pitchFamily="18" charset="-127"/>
+                <a:ea typeface="SB 어그로 Bold" panose="02020603020101020101" pitchFamily="18" charset="-127"/>
                 <a:cs typeface="+mn-lt"/>
               </a:rPr>
               <a:t>level</a:t>
             </a:r>
-            <a:endParaRPr lang="ko-KR" sz="8000" dirty="0">
+            <a:endParaRPr lang="ko-KR" sz="7200" dirty="0">
+              <a:latin typeface="SB 어그로 Bold" panose="02020603020101020101" pitchFamily="18" charset="-127"/>
+              <a:ea typeface="SB 어그로 Bold" panose="02020603020101020101" pitchFamily="18" charset="-127"/>
               <a:cs typeface="Calibri"/>
             </a:endParaRPr>
           </a:p>
           <a:p>
-            <a:endParaRPr lang="ko-KR" dirty="0"/>
+            <a:endParaRPr lang="ko-KR" dirty="0">
+              <a:latin typeface="SB 어그로 Bold" panose="02020603020101020101" pitchFamily="18" charset="-127"/>
+              <a:ea typeface="SB 어그로 Bold" panose="02020603020101020101" pitchFamily="18" charset="-127"/>
+            </a:endParaRPr>
           </a:p>
         </p:txBody>
       </p:sp>
@@ -5030,8 +5102,8 @@
         </p:nvSpPr>
         <p:spPr>
           <a:xfrm>
-            <a:off x="1447800" y="1867937"/>
-            <a:ext cx="6114179" cy="815608"/>
+            <a:off x="1288755" y="1883357"/>
+            <a:ext cx="6114179" cy="677108"/>
           </a:xfrm>
           <a:prstGeom prst="rect">
             <a:avLst/>
@@ -5045,13 +5117,15 @@
           <a:lstStyle/>
           <a:p>
             <a:r>
-              <a:rPr lang="ko-KR" altLang="en-US" sz="4700" kern="0" spc="-100" dirty="0" err="1">
-                <a:latin typeface="Jalnan OTF"/>
+              <a:rPr lang="ko-KR" altLang="en-US" sz="3800" kern="0" spc="-100" dirty="0" err="1">
+                <a:latin typeface="SB 어그로 Bold" panose="02020603020101020101" pitchFamily="18" charset="-127"/>
+                <a:ea typeface="SB 어그로 Bold" panose="02020603020101020101" pitchFamily="18" charset="-127"/>
               </a:rPr>
               <a:t>Milestone</a:t>
             </a:r>
-            <a:endParaRPr lang="ko-KR" altLang="en-US" sz="4700" kern="0" spc="-100" dirty="0">
-              <a:latin typeface="Jalnan OTF"/>
+            <a:endParaRPr lang="ko-KR" altLang="en-US" sz="3800" kern="0" spc="-100" dirty="0">
+              <a:latin typeface="SB 어그로 Bold" panose="02020603020101020101" pitchFamily="18" charset="-127"/>
+              <a:ea typeface="SB 어그로 Bold" panose="02020603020101020101" pitchFamily="18" charset="-127"/>
             </a:endParaRPr>
           </a:p>
         </p:txBody>
@@ -5532,6 +5606,434 @@
 </file>
 
 <file path=ppt/slides/slide15.xml><?xml version="1.0" encoding="utf-8"?>
+<p:sld xmlns:a="http://schemas.openxmlformats.org/drawingml/2006/main" xmlns:r="http://schemas.openxmlformats.org/officeDocument/2006/relationships" xmlns:p="http://schemas.openxmlformats.org/presentationml/2006/main">
+  <p:cSld>
+    <p:spTree>
+      <p:nvGrpSpPr>
+        <p:cNvPr id="1" name=""/>
+        <p:cNvGrpSpPr/>
+        <p:nvPr/>
+      </p:nvGrpSpPr>
+      <p:grpSpPr>
+        <a:xfrm>
+          <a:off x="0" y="0"/>
+          <a:ext cx="0" cy="0"/>
+          <a:chOff x="0" y="0"/>
+          <a:chExt cx="0" cy="0"/>
+        </a:xfrm>
+      </p:grpSpPr>
+      <p:grpSp>
+        <p:nvGrpSpPr>
+          <p:cNvPr id="1001" name="그룹 1001"/>
+          <p:cNvGrpSpPr/>
+          <p:nvPr/>
+        </p:nvGrpSpPr>
+        <p:grpSpPr>
+          <a:xfrm>
+            <a:off x="706417" y="687415"/>
+            <a:ext cx="16875166" cy="8912169"/>
+            <a:chOff x="705274" y="686772"/>
+            <a:chExt cx="16875166" cy="8912169"/>
+          </a:xfrm>
+        </p:grpSpPr>
+        <p:pic>
+          <p:nvPicPr>
+            <p:cNvPr id="3" name="Object 2"/>
+            <p:cNvPicPr>
+              <a:picLocks noChangeAspect="1"/>
+            </p:cNvPicPr>
+            <p:nvPr/>
+          </p:nvPicPr>
+          <p:blipFill>
+            <a:blip r:embed="rId2" cstate="print"/>
+            <a:stretch>
+              <a:fillRect/>
+            </a:stretch>
+          </p:blipFill>
+          <p:spPr>
+            <a:xfrm>
+              <a:off x="705274" y="686772"/>
+              <a:ext cx="16875166" cy="8912169"/>
+            </a:xfrm>
+            <a:prstGeom prst="rect">
+              <a:avLst/>
+            </a:prstGeom>
+          </p:spPr>
+        </p:pic>
+      </p:grpSp>
+      <p:sp>
+        <p:nvSpPr>
+          <p:cNvPr id="23" name="Object 23"/>
+          <p:cNvSpPr txBox="1"/>
+          <p:nvPr/>
+        </p:nvSpPr>
+        <p:spPr>
+          <a:xfrm>
+            <a:off x="11587233" y="8427054"/>
+            <a:ext cx="757245" cy="668103"/>
+          </a:xfrm>
+          <a:prstGeom prst="rect">
+            <a:avLst/>
+          </a:prstGeom>
+          <a:noFill/>
+        </p:spPr>
+        <p:txBody>
+          <a:bodyPr wrap="square" rtlCol="0" anchor="t">
+            <a:spAutoFit/>
+          </a:bodyPr>
+          <a:lstStyle/>
+          <a:p>
+            <a:r>
+              <a:rPr lang="en-US" sz="2500" kern="0" spc="-100" dirty="0">
+                <a:solidFill>
+                  <a:srgbClr val="FFFFFF"/>
+                </a:solidFill>
+                <a:latin typeface="Jalnan OTF" pitchFamily="34" charset="0"/>
+                <a:cs typeface="Jalnan OTF" pitchFamily="34" charset="0"/>
+              </a:rPr>
+              <a:t>01</a:t>
+            </a:r>
+            <a:endParaRPr lang="en-US" dirty="0"/>
+          </a:p>
+        </p:txBody>
+      </p:sp>
+      <p:pic>
+        <p:nvPicPr>
+          <p:cNvPr id="5" name="그림 4">
+            <a:extLst>
+              <a:ext uri="{FF2B5EF4-FFF2-40B4-BE49-F238E27FC236}">
+                <a16:creationId xmlns:a16="http://schemas.microsoft.com/office/drawing/2014/main" id="{6C60B539-4106-41D8-B0C0-FED3BFC8B3F4}"/>
+              </a:ext>
+            </a:extLst>
+          </p:cNvPr>
+          <p:cNvPicPr>
+            <a:picLocks noChangeAspect="1"/>
+          </p:cNvPicPr>
+          <p:nvPr/>
+        </p:nvPicPr>
+        <p:blipFill>
+          <a:blip r:embed="rId3">
+            <a:extLst>
+              <a:ext uri="{28A0092B-C50C-407E-A947-70E740481C1C}">
+                <a14:useLocalDpi xmlns:a14="http://schemas.microsoft.com/office/drawing/2010/main" val="0"/>
+              </a:ext>
+            </a:extLst>
+          </a:blip>
+          <a:stretch>
+            <a:fillRect/>
+          </a:stretch>
+        </p:blipFill>
+        <p:spPr>
+          <a:xfrm>
+            <a:off x="3047999" y="1463175"/>
+            <a:ext cx="14477207" cy="8055951"/>
+          </a:xfrm>
+          <a:prstGeom prst="rect">
+            <a:avLst/>
+          </a:prstGeom>
+        </p:spPr>
+      </p:pic>
+      <p:sp>
+        <p:nvSpPr>
+          <p:cNvPr id="2" name="화살표: 오른쪽 1">
+            <a:extLst>
+              <a:ext uri="{FF2B5EF4-FFF2-40B4-BE49-F238E27FC236}">
+                <a16:creationId xmlns:a16="http://schemas.microsoft.com/office/drawing/2014/main" id="{724093CF-2052-40A8-81C9-6B74D40CAC7C}"/>
+              </a:ext>
+            </a:extLst>
+          </p:cNvPr>
+          <p:cNvSpPr/>
+          <p:nvPr/>
+        </p:nvSpPr>
+        <p:spPr>
+          <a:xfrm>
+            <a:off x="3810000" y="5600700"/>
+            <a:ext cx="9220200" cy="457200"/>
+          </a:xfrm>
+          <a:prstGeom prst="rightArrow">
+            <a:avLst/>
+          </a:prstGeom>
+          <a:solidFill>
+            <a:srgbClr val="4472C4"/>
+          </a:solidFill>
+          <a:ln>
+            <a:solidFill>
+              <a:srgbClr val="4472C4"/>
+            </a:solidFill>
+          </a:ln>
+        </p:spPr>
+        <p:style>
+          <a:lnRef idx="2">
+            <a:schemeClr val="accent1">
+              <a:shade val="50000"/>
+            </a:schemeClr>
+          </a:lnRef>
+          <a:fillRef idx="1">
+            <a:schemeClr val="accent1"/>
+          </a:fillRef>
+          <a:effectRef idx="0">
+            <a:schemeClr val="accent1"/>
+          </a:effectRef>
+          <a:fontRef idx="minor">
+            <a:schemeClr val="lt1"/>
+          </a:fontRef>
+        </p:style>
+        <p:txBody>
+          <a:bodyPr rtlCol="0" anchor="ctr"/>
+          <a:lstStyle/>
+          <a:p>
+            <a:pPr algn="ctr"/>
+            <a:endParaRPr lang="ko-KR" altLang="en-US"/>
+          </a:p>
+        </p:txBody>
+      </p:sp>
+      <p:sp>
+        <p:nvSpPr>
+          <p:cNvPr id="4" name="TextBox 3">
+            <a:extLst>
+              <a:ext uri="{FF2B5EF4-FFF2-40B4-BE49-F238E27FC236}">
+                <a16:creationId xmlns:a16="http://schemas.microsoft.com/office/drawing/2014/main" id="{40EE8084-CC59-403F-B921-C66B86814172}"/>
+              </a:ext>
+            </a:extLst>
+          </p:cNvPr>
+          <p:cNvSpPr txBox="1"/>
+          <p:nvPr/>
+        </p:nvSpPr>
+        <p:spPr>
+          <a:xfrm>
+            <a:off x="762794" y="5520242"/>
+            <a:ext cx="2285205" cy="954107"/>
+          </a:xfrm>
+          <a:prstGeom prst="rect">
+            <a:avLst/>
+          </a:prstGeom>
+          <a:noFill/>
+        </p:spPr>
+        <p:txBody>
+          <a:bodyPr wrap="square" rtlCol="0">
+            <a:spAutoFit/>
+          </a:bodyPr>
+          <a:lstStyle/>
+          <a:p>
+            <a:pPr algn="ctr"/>
+            <a:r>
+              <a:rPr lang="en-US" altLang="ko-KR" sz="5600" dirty="0">
+                <a:latin typeface="SB 어그로 Bold" panose="02020603020101020101" pitchFamily="18" charset="-127"/>
+                <a:ea typeface="SB 어그로 Bold" panose="02020603020101020101" pitchFamily="18" charset="-127"/>
+                <a:cs typeface="Aharoni" panose="020B0604020202020204" pitchFamily="2" charset="-79"/>
+              </a:rPr>
+              <a:t>71%</a:t>
+            </a:r>
+            <a:endParaRPr lang="ko-KR" altLang="en-US" sz="5600" dirty="0">
+              <a:latin typeface="SB 어그로 Bold" panose="02020603020101020101" pitchFamily="18" charset="-127"/>
+              <a:ea typeface="SB 어그로 Bold" panose="02020603020101020101" pitchFamily="18" charset="-127"/>
+              <a:cs typeface="Aharoni" panose="020B0604020202020204" pitchFamily="2" charset="-79"/>
+            </a:endParaRPr>
+          </a:p>
+        </p:txBody>
+      </p:sp>
+      <p:sp>
+        <p:nvSpPr>
+          <p:cNvPr id="6" name="TextBox 5">
+            <a:extLst>
+              <a:ext uri="{FF2B5EF4-FFF2-40B4-BE49-F238E27FC236}">
+                <a16:creationId xmlns:a16="http://schemas.microsoft.com/office/drawing/2014/main" id="{291F6B3C-7874-4A6B-9BEE-4E62A94D5797}"/>
+              </a:ext>
+            </a:extLst>
+          </p:cNvPr>
+          <p:cNvSpPr txBox="1"/>
+          <p:nvPr/>
+        </p:nvSpPr>
+        <p:spPr>
+          <a:xfrm>
+            <a:off x="763181" y="1520832"/>
+            <a:ext cx="2285205" cy="4247317"/>
+          </a:xfrm>
+          <a:prstGeom prst="rect">
+            <a:avLst/>
+          </a:prstGeom>
+          <a:noFill/>
+        </p:spPr>
+        <p:txBody>
+          <a:bodyPr wrap="square" rtlCol="0">
+            <a:spAutoFit/>
+          </a:bodyPr>
+          <a:lstStyle/>
+          <a:p>
+            <a:r>
+              <a:rPr lang="en-US" altLang="ko-KR" dirty="0">
+                <a:latin typeface="SB 어그로 Light" panose="02020603020101020101" pitchFamily="18" charset="-127"/>
+                <a:ea typeface="SB 어그로 Light" panose="02020603020101020101" pitchFamily="18" charset="-127"/>
+              </a:rPr>
+              <a:t>Hand</a:t>
+            </a:r>
+            <a:r>
+              <a:rPr lang="ko-KR" altLang="en-US" dirty="0">
+                <a:latin typeface="SB 어그로 Light" panose="02020603020101020101" pitchFamily="18" charset="-127"/>
+                <a:ea typeface="SB 어그로 Light" panose="02020603020101020101" pitchFamily="18" charset="-127"/>
+              </a:rPr>
+              <a:t> </a:t>
+            </a:r>
+            <a:r>
+              <a:rPr lang="en-US" altLang="ko-KR" dirty="0">
+                <a:latin typeface="SB 어그로 Light" panose="02020603020101020101" pitchFamily="18" charset="-127"/>
+                <a:ea typeface="SB 어그로 Light" panose="02020603020101020101" pitchFamily="18" charset="-127"/>
+              </a:rPr>
+              <a:t>Figuration</a:t>
+            </a:r>
+            <a:r>
+              <a:rPr lang="ko-KR" altLang="en-US" dirty="0">
+                <a:latin typeface="SB 어그로 Light" panose="02020603020101020101" pitchFamily="18" charset="-127"/>
+                <a:ea typeface="SB 어그로 Light" panose="02020603020101020101" pitchFamily="18" charset="-127"/>
+              </a:rPr>
+              <a:t> </a:t>
+            </a:r>
+            <a:r>
+              <a:rPr lang="en-US" altLang="ko-KR" dirty="0">
+                <a:latin typeface="SB 어그로 Light" panose="02020603020101020101" pitchFamily="18" charset="-127"/>
+                <a:ea typeface="SB 어그로 Light" panose="02020603020101020101" pitchFamily="18" charset="-127"/>
+              </a:rPr>
+              <a:t>algorithm </a:t>
+            </a:r>
+          </a:p>
+          <a:p>
+            <a:pPr>
+              <a:lnSpc>
+                <a:spcPct val="150000"/>
+              </a:lnSpc>
+            </a:pPr>
+            <a:r>
+              <a:rPr lang="en-US" altLang="ko-KR" dirty="0">
+                <a:latin typeface="SB 어그로 Light" panose="02020603020101020101" pitchFamily="18" charset="-127"/>
+                <a:ea typeface="SB 어그로 Light" panose="02020603020101020101" pitchFamily="18" charset="-127"/>
+              </a:rPr>
+              <a:t>UI development</a:t>
+            </a:r>
+          </a:p>
+          <a:p>
+            <a:r>
+              <a:rPr lang="en-US" altLang="ko-KR" dirty="0">
+                <a:latin typeface="SB 어그로 Light" panose="02020603020101020101" pitchFamily="18" charset="-127"/>
+                <a:ea typeface="SB 어그로 Light" panose="02020603020101020101" pitchFamily="18" charset="-127"/>
+              </a:rPr>
+              <a:t>Basic game structure building</a:t>
+            </a:r>
+          </a:p>
+          <a:p>
+            <a:pPr>
+              <a:lnSpc>
+                <a:spcPct val="150000"/>
+              </a:lnSpc>
+            </a:pPr>
+            <a:r>
+              <a:rPr lang="en-US" altLang="ko-KR" dirty="0">
+                <a:latin typeface="SB 어그로 Light" panose="02020603020101020101" pitchFamily="18" charset="-127"/>
+                <a:ea typeface="SB 어그로 Light" panose="02020603020101020101" pitchFamily="18" charset="-127"/>
+              </a:rPr>
+              <a:t>Merging Hand </a:t>
+            </a:r>
+          </a:p>
+          <a:p>
+            <a:r>
+              <a:rPr lang="en-US" altLang="ko-KR" dirty="0">
+                <a:latin typeface="SB 어그로 Light" panose="02020603020101020101" pitchFamily="18" charset="-127"/>
+                <a:ea typeface="SB 어그로 Light" panose="02020603020101020101" pitchFamily="18" charset="-127"/>
+              </a:rPr>
+              <a:t>Figuration algorithm and GUI</a:t>
+            </a:r>
+          </a:p>
+          <a:p>
+            <a:r>
+              <a:rPr lang="en-US" altLang="ko-KR" dirty="0">
+                <a:latin typeface="SB 어그로 Light" panose="02020603020101020101" pitchFamily="18" charset="-127"/>
+                <a:ea typeface="SB 어그로 Light" panose="02020603020101020101" pitchFamily="18" charset="-127"/>
+              </a:rPr>
+              <a:t>Leaderboard menu</a:t>
+            </a:r>
+          </a:p>
+          <a:p>
+            <a:endParaRPr lang="en-US" altLang="ko-KR" dirty="0"/>
+          </a:p>
+          <a:p>
+            <a:endParaRPr lang="en-US" altLang="ko-KR" dirty="0"/>
+          </a:p>
+        </p:txBody>
+      </p:sp>
+      <p:sp>
+        <p:nvSpPr>
+          <p:cNvPr id="7" name="TextBox 6">
+            <a:extLst>
+              <a:ext uri="{FF2B5EF4-FFF2-40B4-BE49-F238E27FC236}">
+                <a16:creationId xmlns:a16="http://schemas.microsoft.com/office/drawing/2014/main" id="{6721A1D5-A838-4FD7-8D42-2C4A3AACC1B2}"/>
+              </a:ext>
+            </a:extLst>
+          </p:cNvPr>
+          <p:cNvSpPr txBox="1"/>
+          <p:nvPr/>
+        </p:nvSpPr>
+        <p:spPr>
+          <a:xfrm>
+            <a:off x="762794" y="6819900"/>
+            <a:ext cx="2228828" cy="888705"/>
+          </a:xfrm>
+          <a:prstGeom prst="rect">
+            <a:avLst/>
+          </a:prstGeom>
+          <a:noFill/>
+        </p:spPr>
+        <p:txBody>
+          <a:bodyPr wrap="square" rtlCol="0">
+            <a:spAutoFit/>
+          </a:bodyPr>
+          <a:lstStyle/>
+          <a:p>
+            <a:pPr>
+              <a:lnSpc>
+                <a:spcPct val="150000"/>
+              </a:lnSpc>
+            </a:pPr>
+            <a:r>
+              <a:rPr lang="en-US" altLang="ko-KR" dirty="0">
+                <a:latin typeface="SB 어그로 Light" panose="02020603020101020101" pitchFamily="18" charset="-127"/>
+                <a:ea typeface="SB 어그로 Light" panose="02020603020101020101" pitchFamily="18" charset="-127"/>
+              </a:rPr>
+              <a:t>Level design</a:t>
+            </a:r>
+          </a:p>
+          <a:p>
+            <a:pPr>
+              <a:lnSpc>
+                <a:spcPct val="150000"/>
+              </a:lnSpc>
+            </a:pPr>
+            <a:r>
+              <a:rPr lang="en-US" altLang="ko-KR" dirty="0">
+                <a:latin typeface="SB 어그로 Light" panose="02020603020101020101" pitchFamily="18" charset="-127"/>
+                <a:ea typeface="SB 어그로 Light" panose="02020603020101020101" pitchFamily="18" charset="-127"/>
+              </a:rPr>
+              <a:t>Bonus time</a:t>
+            </a:r>
+            <a:endParaRPr lang="ko-KR" altLang="en-US" dirty="0">
+              <a:latin typeface="SB 어그로 Light" panose="02020603020101020101" pitchFamily="18" charset="-127"/>
+              <a:ea typeface="SB 어그로 Light" panose="02020603020101020101" pitchFamily="18" charset="-127"/>
+            </a:endParaRPr>
+          </a:p>
+        </p:txBody>
+      </p:sp>
+    </p:spTree>
+    <p:extLst>
+      <p:ext uri="{BB962C8B-B14F-4D97-AF65-F5344CB8AC3E}">
+        <p14:creationId xmlns:p14="http://schemas.microsoft.com/office/powerpoint/2010/main" val="3048189152"/>
+      </p:ext>
+    </p:extLst>
+  </p:cSld>
+  <p:clrMapOvr>
+    <a:masterClrMapping/>
+  </p:clrMapOvr>
+</p:sld>
+</file>
+
+<file path=ppt/slides/slide16.xml><?xml version="1.0" encoding="utf-8"?>
 <p:sld xmlns:a="http://schemas.openxmlformats.org/drawingml/2006/main" xmlns:r="http://schemas.openxmlformats.org/officeDocument/2006/relationships" xmlns:p="http://schemas.openxmlformats.org/presentationml/2006/main">
   <p:cSld name="Slide 17">
     <p:bg>
@@ -5636,14 +6138,14 @@
       </p:grpSp>
       <p:sp>
         <p:nvSpPr>
-          <p:cNvPr id="8" name="Object 8"/>
+          <p:cNvPr id="9" name="Object 9"/>
           <p:cNvSpPr txBox="1"/>
           <p:nvPr/>
         </p:nvSpPr>
         <p:spPr>
           <a:xfrm>
-            <a:off x="1832864" y="3823081"/>
-            <a:ext cx="19568139" cy="2803691"/>
+            <a:off x="990600" y="2413589"/>
+            <a:ext cx="14173200" cy="1200329"/>
           </a:xfrm>
           <a:prstGeom prst="rect">
             <a:avLst/>
@@ -5651,55 +6153,24 @@
           <a:noFill/>
         </p:spPr>
         <p:txBody>
-          <a:bodyPr wrap="square" rtlCol="0" anchor="t">
-            <a:spAutoFit/>
-          </a:bodyPr>
-          <a:lstStyle/>
-          <a:p>
-            <a:r>
-              <a:rPr lang="en-US" sz="10500" kern="0" spc="-300" dirty="0">
-                <a:solidFill>
-                  <a:srgbClr val="FFFFFF"/>
-                </a:solidFill>
-                <a:latin typeface="Jalnan OTF" pitchFamily="34" charset="0"/>
-                <a:cs typeface="Jalnan OTF" pitchFamily="34" charset="0"/>
-              </a:rPr>
-              <a:t>2조의 발표였습니다 !</a:t>
-            </a:r>
-            <a:endParaRPr lang="en-US" dirty="0"/>
-          </a:p>
-        </p:txBody>
-      </p:sp>
-      <p:sp>
-        <p:nvSpPr>
-          <p:cNvPr id="9" name="Object 9"/>
-          <p:cNvSpPr txBox="1"/>
-          <p:nvPr/>
-        </p:nvSpPr>
-        <p:spPr>
-          <a:xfrm>
-            <a:off x="1750193" y="2413589"/>
-            <a:ext cx="14313444" cy="1446550"/>
-          </a:xfrm>
-          <a:prstGeom prst="rect">
-            <a:avLst/>
-          </a:prstGeom>
-          <a:noFill/>
-        </p:spPr>
-        <p:txBody>
           <a:bodyPr wrap="square" lIns="91440" tIns="45720" rIns="91440" bIns="45720" rtlCol="0" anchor="t">
             <a:spAutoFit/>
           </a:bodyPr>
           <a:lstStyle/>
           <a:p>
-            <a:r>
-              <a:rPr lang="en-US" sz="8800" b="1" kern="0" spc="-800" dirty="0">
-                <a:ea typeface="+mn-lt"/>
+            <a:pPr algn="dist"/>
+            <a:r>
+              <a:rPr lang="en-US" sz="7200" b="1" kern="0" spc="-800" dirty="0">
+                <a:latin typeface="SB 어그로 Bold" panose="02020603020101020101" pitchFamily="18" charset="-127"/>
+                <a:ea typeface="SB 어그로 Bold" panose="02020603020101020101" pitchFamily="18" charset="-127"/>
                 <a:cs typeface="+mn-lt"/>
               </a:rPr>
-              <a:t>Thank you for listening!</a:t>
-            </a:r>
-            <a:endParaRPr lang="ko-KR" altLang="en-US" b="1" dirty="0"/>
+              <a:t>Thank you for listening</a:t>
+            </a:r>
+            <a:endParaRPr lang="ko-KR" altLang="en-US" sz="7200" b="1" dirty="0">
+              <a:latin typeface="SB 어그로 Bold" panose="02020603020101020101" pitchFamily="18" charset="-127"/>
+              <a:ea typeface="SB 어그로 Bold" panose="02020603020101020101" pitchFamily="18" charset="-127"/>
+            </a:endParaRPr>
           </a:p>
         </p:txBody>
       </p:sp>
@@ -5769,7 +6240,8 @@
                 <a:solidFill>
                   <a:schemeClr val="bg1"/>
                 </a:solidFill>
-                <a:ea typeface="+mn-lt"/>
+                <a:latin typeface="SB 어그로 Light" panose="02020603020101020101" pitchFamily="18" charset="-127"/>
+                <a:ea typeface="SB 어그로 Light" panose="02020603020101020101" pitchFamily="18" charset="-127"/>
                 <a:cs typeface="+mn-lt"/>
               </a:rPr>
               <a:t>김동한</a:t>
@@ -5779,7 +6251,8 @@
                 <a:solidFill>
                   <a:schemeClr val="bg1"/>
                 </a:solidFill>
-                <a:ea typeface="+mn-lt"/>
+                <a:latin typeface="SB 어그로 Light" panose="02020603020101020101" pitchFamily="18" charset="-127"/>
+                <a:ea typeface="SB 어그로 Light" panose="02020603020101020101" pitchFamily="18" charset="-127"/>
                 <a:cs typeface="+mn-lt"/>
               </a:rPr>
               <a:t>,</a:t>
@@ -5789,7 +6262,8 @@
                 <a:solidFill>
                   <a:schemeClr val="bg1"/>
                 </a:solidFill>
-                <a:ea typeface="+mn-lt"/>
+                <a:latin typeface="SB 어그로 Light" panose="02020603020101020101" pitchFamily="18" charset="-127"/>
+                <a:ea typeface="SB 어그로 Light" panose="02020603020101020101" pitchFamily="18" charset="-127"/>
                 <a:cs typeface="+mn-lt"/>
               </a:rPr>
               <a:t>김재홍</a:t>
@@ -5799,7 +6273,8 @@
                 <a:solidFill>
                   <a:schemeClr val="bg1"/>
                 </a:solidFill>
-                <a:ea typeface="+mn-lt"/>
+                <a:latin typeface="SB 어그로 Light" panose="02020603020101020101" pitchFamily="18" charset="-127"/>
+                <a:ea typeface="SB 어그로 Light" panose="02020603020101020101" pitchFamily="18" charset="-127"/>
                 <a:cs typeface="+mn-lt"/>
               </a:rPr>
               <a:t>,</a:t>
@@ -5809,7 +6284,8 @@
                 <a:solidFill>
                   <a:schemeClr val="bg1"/>
                 </a:solidFill>
-                <a:ea typeface="+mn-lt"/>
+                <a:latin typeface="SB 어그로 Light" panose="02020603020101020101" pitchFamily="18" charset="-127"/>
+                <a:ea typeface="SB 어그로 Light" panose="02020603020101020101" pitchFamily="18" charset="-127"/>
                 <a:cs typeface="+mn-lt"/>
               </a:rPr>
               <a:t>박준하</a:t>
@@ -5819,7 +6295,8 @@
                 <a:solidFill>
                   <a:schemeClr val="bg1"/>
                 </a:solidFill>
-                <a:ea typeface="+mn-lt"/>
+                <a:latin typeface="SB 어그로 Light" panose="02020603020101020101" pitchFamily="18" charset="-127"/>
+                <a:ea typeface="SB 어그로 Light" panose="02020603020101020101" pitchFamily="18" charset="-127"/>
                 <a:cs typeface="+mn-lt"/>
               </a:rPr>
               <a:t>,</a:t>
@@ -5829,7 +6306,8 @@
                 <a:solidFill>
                   <a:schemeClr val="bg1"/>
                 </a:solidFill>
-                <a:ea typeface="+mn-lt"/>
+                <a:latin typeface="SB 어그로 Light" panose="02020603020101020101" pitchFamily="18" charset="-127"/>
+                <a:ea typeface="SB 어그로 Light" panose="02020603020101020101" pitchFamily="18" charset="-127"/>
                 <a:cs typeface="+mn-lt"/>
               </a:rPr>
               <a:t>이재욱</a:t>
@@ -5839,7 +6317,8 @@
                 <a:solidFill>
                   <a:schemeClr val="bg1"/>
                 </a:solidFill>
-                <a:ea typeface="+mn-lt"/>
+                <a:latin typeface="SB 어그로 Light" panose="02020603020101020101" pitchFamily="18" charset="-127"/>
+                <a:ea typeface="SB 어그로 Light" panose="02020603020101020101" pitchFamily="18" charset="-127"/>
                 <a:cs typeface="+mn-lt"/>
               </a:rPr>
               <a:t>,</a:t>
@@ -5849,7 +6328,8 @@
                 <a:solidFill>
                   <a:schemeClr val="bg1"/>
                 </a:solidFill>
-                <a:ea typeface="+mn-lt"/>
+                <a:latin typeface="SB 어그로 Light" panose="02020603020101020101" pitchFamily="18" charset="-127"/>
+                <a:ea typeface="SB 어그로 Light" panose="02020603020101020101" pitchFamily="18" charset="-127"/>
                 <a:cs typeface="+mn-lt"/>
               </a:rPr>
               <a:t>최우준</a:t>
@@ -5858,11 +6338,16 @@
               <a:solidFill>
                 <a:schemeClr val="bg1"/>
               </a:solidFill>
+              <a:latin typeface="SB 어그로 Light" panose="02020603020101020101" pitchFamily="18" charset="-127"/>
+              <a:ea typeface="SB 어그로 Light" panose="02020603020101020101" pitchFamily="18" charset="-127"/>
               <a:cs typeface="Calibri"/>
             </a:endParaRPr>
           </a:p>
           <a:p>
-            <a:endParaRPr lang="ko-KR" altLang="en-US"/>
+            <a:endParaRPr lang="ko-KR" altLang="en-US" dirty="0">
+              <a:latin typeface="SB 어그로 Bold" panose="02020603020101020101" pitchFamily="18" charset="-127"/>
+              <a:ea typeface="SB 어그로 Bold" panose="02020603020101020101" pitchFamily="18" charset="-127"/>
+            </a:endParaRPr>
           </a:p>
         </p:txBody>
       </p:sp>
@@ -5894,11 +6379,15 @@
                 <a:solidFill>
                   <a:srgbClr val="FFFFFF"/>
                 </a:solidFill>
-                <a:latin typeface="S-Core Dream 4 Regular"/>
+                <a:latin typeface="SB 어그로 Bold" panose="02020603020101020101" pitchFamily="18" charset="-127"/>
+                <a:ea typeface="SB 어그로 Bold" panose="02020603020101020101" pitchFamily="18" charset="-127"/>
               </a:rPr>
               <a:t>2021/12/21</a:t>
             </a:r>
-            <a:endParaRPr lang="en-US" dirty="0"/>
+            <a:endParaRPr lang="en-US" dirty="0">
+              <a:latin typeface="SB 어그로 Bold" panose="02020603020101020101" pitchFamily="18" charset="-127"/>
+              <a:ea typeface="SB 어그로 Bold" panose="02020603020101020101" pitchFamily="18" charset="-127"/>
+            </a:endParaRPr>
           </a:p>
         </p:txBody>
       </p:sp>
@@ -5955,7 +6444,7 @@
         </p:nvSpPr>
         <p:spPr>
           <a:xfrm>
-            <a:off x="12438364" y="6814884"/>
+            <a:off x="12428287" y="6904115"/>
             <a:ext cx="4268633" cy="707886"/>
           </a:xfrm>
           <a:prstGeom prst="rect">
@@ -5975,7 +6464,8 @@
                 <a:solidFill>
                   <a:srgbClr val="FFFFFF"/>
                 </a:solidFill>
-                <a:latin typeface="Jalnan OTF"/>
+                <a:latin typeface="SB 어그로 Bold" panose="02020603020101020101" pitchFamily="18" charset="-127"/>
+                <a:ea typeface="SB 어그로 Bold" panose="02020603020101020101" pitchFamily="18" charset="-127"/>
                 <a:cs typeface="Jalnan OTF" pitchFamily="34" charset="0"/>
               </a:rPr>
               <a:t>Exit </a:t>
@@ -5985,13 +6475,15 @@
                 <a:solidFill>
                   <a:srgbClr val="FFFFFF"/>
                 </a:solidFill>
-                <a:latin typeface="Jalnan OTF"/>
+                <a:latin typeface="SB 어그로 Bold" panose="02020603020101020101" pitchFamily="18" charset="-127"/>
+                <a:ea typeface="SB 어그로 Bold" panose="02020603020101020101" pitchFamily="18" charset="-127"/>
                 <a:cs typeface="Jalnan OTF" pitchFamily="34" charset="0"/>
               </a:rPr>
               <a:t>&gt;</a:t>
             </a:r>
             <a:endParaRPr lang="en-US" dirty="0">
-              <a:latin typeface="Jalnan OTF"/>
+              <a:latin typeface="SB 어그로 Bold" panose="02020603020101020101" pitchFamily="18" charset="-127"/>
+              <a:ea typeface="SB 어그로 Bold" panose="02020603020101020101" pitchFamily="18" charset="-127"/>
             </a:endParaRPr>
           </a:p>
         </p:txBody>
@@ -6131,7 +6623,8 @@
           <a:p>
             <a:r>
               <a:rPr lang="en-US" sz="7200" b="1" kern="0" spc="-200" dirty="0">
-                <a:latin typeface="Jalnan OTF"/>
+                <a:latin typeface="SB 어그로 Light" panose="02020603020101020101" pitchFamily="18" charset="-127"/>
+                <a:ea typeface="SB 어그로 Light" panose="02020603020101020101" pitchFamily="18" charset="-127"/>
               </a:rPr>
               <a:t>01</a:t>
             </a:r>
@@ -6147,7 +6640,7 @@
         <p:spPr>
           <a:xfrm>
             <a:off x="3037940" y="4874524"/>
-            <a:ext cx="3622084" cy="1292662"/>
+            <a:ext cx="3622084" cy="1692771"/>
           </a:xfrm>
           <a:prstGeom prst="rect">
             <a:avLst/>
@@ -6165,7 +6658,8 @@
                 <a:solidFill>
                   <a:srgbClr val="000000"/>
                 </a:solidFill>
-                <a:latin typeface="Jalnan OTF"/>
+                <a:latin typeface="SB 어그로 Light" panose="02020603020101020101" pitchFamily="18" charset="-127"/>
+                <a:ea typeface="SB 어그로 Light" panose="02020603020101020101" pitchFamily="18" charset="-127"/>
               </a:rPr>
               <a:t>Project topic </a:t>
             </a:r>
@@ -6176,15 +6670,20 @@
                 <a:solidFill>
                   <a:srgbClr val="000000"/>
                 </a:solidFill>
-                <a:latin typeface="Jalnan OTF"/>
+                <a:latin typeface="SB 어그로 Light" panose="02020603020101020101" pitchFamily="18" charset="-127"/>
+                <a:ea typeface="SB 어그로 Light" panose="02020603020101020101" pitchFamily="18" charset="-127"/>
               </a:rPr>
               <a:t>And brief introduction</a:t>
             </a:r>
-            <a:endParaRPr lang="ko-KR" dirty="0"/>
+            <a:endParaRPr lang="ko-KR" dirty="0">
+              <a:latin typeface="SB 어그로 Light" panose="02020603020101020101" pitchFamily="18" charset="-127"/>
+              <a:ea typeface="SB 어그로 Light" panose="02020603020101020101" pitchFamily="18" charset="-127"/>
+            </a:endParaRPr>
           </a:p>
           <a:p>
             <a:endParaRPr lang="ko-KR" altLang="en-US" sz="2600" kern="0" spc="-100" dirty="0">
-              <a:latin typeface="Jalnan OTF"/>
+              <a:latin typeface="SB 어그로 Light" panose="02020603020101020101" pitchFamily="18" charset="-127"/>
+              <a:ea typeface="SB 어그로 Light" panose="02020603020101020101" pitchFamily="18" charset="-127"/>
             </a:endParaRPr>
           </a:p>
         </p:txBody>
@@ -6393,7 +6892,7 @@
         <p:spPr>
           <a:xfrm>
             <a:off x="7091462" y="4677459"/>
-            <a:ext cx="1990532" cy="1929732"/>
+            <a:ext cx="1990532" cy="1200329"/>
           </a:xfrm>
           <a:prstGeom prst="rect">
             <a:avLst/>
@@ -6411,12 +6910,16 @@
                 <a:solidFill>
                   <a:srgbClr val="000000"/>
                 </a:solidFill>
-                <a:latin typeface="Jalnan OTF" pitchFamily="34" charset="0"/>
+                <a:latin typeface="SB 어그로 Light" panose="02020603020101020101" pitchFamily="18" charset="-127"/>
+                <a:ea typeface="SB 어그로 Light" panose="02020603020101020101" pitchFamily="18" charset="-127"/>
                 <a:cs typeface="Jalnan OTF" pitchFamily="34" charset="0"/>
               </a:rPr>
               <a:t>02</a:t>
             </a:r>
-            <a:endParaRPr lang="en-US" dirty="0"/>
+            <a:endParaRPr lang="en-US" dirty="0">
+              <a:latin typeface="SB 어그로 Light" panose="02020603020101020101" pitchFamily="18" charset="-127"/>
+              <a:ea typeface="SB 어그로 Light" panose="02020603020101020101" pitchFamily="18" charset="-127"/>
+            </a:endParaRPr>
           </a:p>
         </p:txBody>
       </p:sp>
@@ -6444,7 +6947,8 @@
           <a:p>
             <a:r>
               <a:rPr lang="en-US" altLang="ko-KR" sz="2600" kern="0" spc="-100" dirty="0">
-                <a:latin typeface="Jalnan OTF"/>
+                <a:latin typeface="SB 어그로 Light" panose="02020603020101020101" pitchFamily="18" charset="-127"/>
+                <a:ea typeface="SB 어그로 Light" panose="02020603020101020101" pitchFamily="18" charset="-127"/>
               </a:rPr>
               <a:t>The roles of the </a:t>
             </a:r>
@@ -6452,12 +6956,14 @@
           <a:p>
             <a:r>
               <a:rPr lang="en-US" altLang="ko-KR" sz="2600" kern="0" spc="-100" dirty="0">
-                <a:latin typeface="Jalnan OTF"/>
+                <a:latin typeface="SB 어그로 Light" panose="02020603020101020101" pitchFamily="18" charset="-127"/>
+                <a:ea typeface="SB 어그로 Light" panose="02020603020101020101" pitchFamily="18" charset="-127"/>
               </a:rPr>
               <a:t>Team member </a:t>
             </a:r>
             <a:endParaRPr lang="en-US" sz="2600" kern="0" spc="-100" dirty="0">
-              <a:latin typeface="Jalnan OTF"/>
+              <a:latin typeface="SB 어그로 Light" panose="02020603020101020101" pitchFamily="18" charset="-127"/>
+              <a:ea typeface="SB 어그로 Light" panose="02020603020101020101" pitchFamily="18" charset="-127"/>
             </a:endParaRPr>
           </a:p>
         </p:txBody>
@@ -6486,13 +6992,15 @@
           <a:p>
             <a:r>
               <a:rPr lang="en-US" sz="7200" b="1" kern="0" spc="-200" dirty="0">
-                <a:latin typeface="Jalnan OTF"/>
+                <a:latin typeface="SB 어그로 Light" panose="02020603020101020101" pitchFamily="18" charset="-127"/>
+                <a:ea typeface="SB 어그로 Light" panose="02020603020101020101" pitchFamily="18" charset="-127"/>
                 <a:cs typeface="Jalnan OTF" pitchFamily="34" charset="0"/>
               </a:rPr>
               <a:t>03</a:t>
             </a:r>
             <a:endParaRPr lang="en-US" b="1" dirty="0">
-              <a:latin typeface="Jalnan OTF"/>
+              <a:latin typeface="SB 어그로 Light" panose="02020603020101020101" pitchFamily="18" charset="-127"/>
+              <a:ea typeface="SB 어그로 Light" panose="02020603020101020101" pitchFamily="18" charset="-127"/>
             </a:endParaRPr>
           </a:p>
         </p:txBody>
@@ -6506,7 +7014,7 @@
         <p:spPr>
           <a:xfrm>
             <a:off x="14122089" y="4874524"/>
-            <a:ext cx="3622084" cy="492443"/>
+            <a:ext cx="3622084" cy="892552"/>
           </a:xfrm>
           <a:prstGeom prst="rect">
             <a:avLst/>
@@ -6521,12 +7029,14 @@
           <a:p>
             <a:r>
               <a:rPr lang="en-US" altLang="ko-KR" sz="2600" kern="0" spc="-100" dirty="0">
-                <a:latin typeface="Jalnan OTF"/>
+                <a:latin typeface="SB 어그로 Light" panose="02020603020101020101" pitchFamily="18" charset="-127"/>
+                <a:ea typeface="SB 어그로 Light" panose="02020603020101020101" pitchFamily="18" charset="-127"/>
               </a:rPr>
               <a:t>The open source library</a:t>
             </a:r>
             <a:endParaRPr lang="ko-KR" altLang="en-US" sz="2600" kern="0" spc="-100" dirty="0">
-              <a:latin typeface="Jalnan OTF"/>
+              <a:latin typeface="SB 어그로 Light" panose="02020603020101020101" pitchFamily="18" charset="-127"/>
+              <a:ea typeface="SB 어그로 Light" panose="02020603020101020101" pitchFamily="18" charset="-127"/>
             </a:endParaRPr>
           </a:p>
         </p:txBody>
@@ -6540,7 +7050,7 @@
         <p:spPr>
           <a:xfrm>
             <a:off x="1523458" y="7206488"/>
-            <a:ext cx="1990532" cy="1929732"/>
+            <a:ext cx="1990532" cy="1200329"/>
           </a:xfrm>
           <a:prstGeom prst="rect">
             <a:avLst/>
@@ -6558,12 +7068,16 @@
                 <a:solidFill>
                   <a:srgbClr val="000000"/>
                 </a:solidFill>
-                <a:latin typeface="Jalnan OTF" pitchFamily="34" charset="0"/>
+                <a:latin typeface="SB 어그로 Light" panose="02020603020101020101" pitchFamily="18" charset="-127"/>
+                <a:ea typeface="SB 어그로 Light" panose="02020603020101020101" pitchFamily="18" charset="-127"/>
                 <a:cs typeface="Jalnan OTF" pitchFamily="34" charset="0"/>
               </a:rPr>
               <a:t>04</a:t>
             </a:r>
-            <a:endParaRPr lang="en-US" dirty="0"/>
+            <a:endParaRPr lang="en-US" dirty="0">
+              <a:latin typeface="SB 어그로 Light" panose="02020603020101020101" pitchFamily="18" charset="-127"/>
+              <a:ea typeface="SB 어그로 Light" panose="02020603020101020101" pitchFamily="18" charset="-127"/>
+            </a:endParaRPr>
           </a:p>
         </p:txBody>
       </p:sp>
@@ -6576,7 +7090,7 @@
         <p:spPr>
           <a:xfrm>
             <a:off x="3037940" y="7403553"/>
-            <a:ext cx="3622084" cy="892552"/>
+            <a:ext cx="3622084" cy="1292662"/>
           </a:xfrm>
           <a:prstGeom prst="rect">
             <a:avLst/>
@@ -6594,7 +7108,8 @@
                 <a:solidFill>
                   <a:srgbClr val="000000"/>
                 </a:solidFill>
-                <a:latin typeface="Jalnan OTF"/>
+                <a:latin typeface="SB 어그로 Light" panose="02020603020101020101" pitchFamily="18" charset="-127"/>
+                <a:ea typeface="SB 어그로 Light" panose="02020603020101020101" pitchFamily="18" charset="-127"/>
               </a:rPr>
               <a:t>Open source license </a:t>
             </a:r>
@@ -6605,12 +7120,14 @@
                 <a:solidFill>
                   <a:srgbClr val="000000"/>
                 </a:solidFill>
-                <a:latin typeface="Jalnan OTF"/>
+                <a:latin typeface="SB 어그로 Light" panose="02020603020101020101" pitchFamily="18" charset="-127"/>
+                <a:ea typeface="SB 어그로 Light" panose="02020603020101020101" pitchFamily="18" charset="-127"/>
               </a:rPr>
               <a:t>For team project</a:t>
             </a:r>
             <a:endParaRPr lang="ko-KR" altLang="en-US" sz="2600" kern="0" spc="-100" dirty="0">
-              <a:latin typeface="Jalnan OTF"/>
+              <a:latin typeface="SB 어그로 Light" panose="02020603020101020101" pitchFamily="18" charset="-127"/>
+              <a:ea typeface="SB 어그로 Light" panose="02020603020101020101" pitchFamily="18" charset="-127"/>
             </a:endParaRPr>
           </a:p>
         </p:txBody>
@@ -6639,13 +7156,15 @@
           <a:p>
             <a:r>
               <a:rPr lang="en-US" sz="7200" b="1" kern="0" spc="-200" dirty="0">
-                <a:latin typeface="Jalnan OTF"/>
+                <a:latin typeface="SB 어그로 Light" panose="02020603020101020101" pitchFamily="18" charset="-127"/>
+                <a:ea typeface="SB 어그로 Light" panose="02020603020101020101" pitchFamily="18" charset="-127"/>
                 <a:cs typeface="Jalnan OTF" pitchFamily="34" charset="0"/>
               </a:rPr>
               <a:t>05</a:t>
             </a:r>
             <a:endParaRPr lang="en-US" b="1" dirty="0">
-              <a:latin typeface="Jalnan OTF"/>
+              <a:latin typeface="SB 어그로 Light" panose="02020603020101020101" pitchFamily="18" charset="-127"/>
+              <a:ea typeface="SB 어그로 Light" panose="02020603020101020101" pitchFamily="18" charset="-127"/>
             </a:endParaRPr>
           </a:p>
         </p:txBody>
@@ -6659,7 +7178,7 @@
         <p:spPr>
           <a:xfrm>
             <a:off x="8605944" y="7403553"/>
-            <a:ext cx="3622084" cy="892552"/>
+            <a:ext cx="3622084" cy="1292662"/>
           </a:xfrm>
           <a:prstGeom prst="rect">
             <a:avLst/>
@@ -6677,7 +7196,8 @@
                 <a:solidFill>
                   <a:srgbClr val="000000"/>
                 </a:solidFill>
-                <a:latin typeface="Jalnan OTF"/>
+                <a:latin typeface="SB 어그로 Light" panose="02020603020101020101" pitchFamily="18" charset="-127"/>
+                <a:ea typeface="SB 어그로 Light" panose="02020603020101020101" pitchFamily="18" charset="-127"/>
               </a:rPr>
               <a:t>Demo videos </a:t>
             </a:r>
@@ -6688,12 +7208,14 @@
                 <a:solidFill>
                   <a:srgbClr val="000000"/>
                 </a:solidFill>
-                <a:latin typeface="Jalnan OTF"/>
+                <a:latin typeface="SB 어그로 Light" panose="02020603020101020101" pitchFamily="18" charset="-127"/>
+                <a:ea typeface="SB 어그로 Light" panose="02020603020101020101" pitchFamily="18" charset="-127"/>
               </a:rPr>
               <a:t>And lice demonstrations</a:t>
             </a:r>
             <a:endParaRPr lang="ko-KR" altLang="en-US" sz="2600" kern="0" spc="-100" dirty="0">
-              <a:latin typeface="Jalnan OTF"/>
+              <a:latin typeface="SB 어그로 Light" panose="02020603020101020101" pitchFamily="18" charset="-127"/>
+              <a:ea typeface="SB 어그로 Light" panose="02020603020101020101" pitchFamily="18" charset="-127"/>
             </a:endParaRPr>
           </a:p>
         </p:txBody>
@@ -6707,7 +7229,7 @@
         <p:spPr>
           <a:xfrm>
             <a:off x="12607607" y="7206488"/>
-            <a:ext cx="1990532" cy="1929732"/>
+            <a:ext cx="1990532" cy="1200329"/>
           </a:xfrm>
           <a:prstGeom prst="rect">
             <a:avLst/>
@@ -6725,12 +7247,16 @@
                 <a:solidFill>
                   <a:srgbClr val="000000"/>
                 </a:solidFill>
-                <a:latin typeface="Jalnan OTF" pitchFamily="34" charset="0"/>
+                <a:latin typeface="SB 어그로 Light" panose="02020603020101020101" pitchFamily="18" charset="-127"/>
+                <a:ea typeface="SB 어그로 Light" panose="02020603020101020101" pitchFamily="18" charset="-127"/>
                 <a:cs typeface="Jalnan OTF" pitchFamily="34" charset="0"/>
               </a:rPr>
               <a:t>06</a:t>
             </a:r>
-            <a:endParaRPr lang="en-US" dirty="0"/>
+            <a:endParaRPr lang="en-US" dirty="0">
+              <a:latin typeface="SB 어그로 Light" panose="02020603020101020101" pitchFamily="18" charset="-127"/>
+              <a:ea typeface="SB 어그로 Light" panose="02020603020101020101" pitchFamily="18" charset="-127"/>
+            </a:endParaRPr>
           </a:p>
         </p:txBody>
       </p:sp>
@@ -6758,41 +7284,48 @@
           <a:p>
             <a:r>
               <a:rPr lang="en-US" altLang="ko-KR" sz="2600" kern="0" spc="-100" dirty="0">
-                <a:latin typeface="Jalnan OTF"/>
+                <a:latin typeface="SB 어그로 Light" panose="02020603020101020101" pitchFamily="18" charset="-127"/>
+                <a:ea typeface="SB 어그로 Light" panose="02020603020101020101" pitchFamily="18" charset="-127"/>
               </a:rPr>
               <a:t>Milestone</a:t>
             </a:r>
             <a:r>
               <a:rPr lang="ko-KR" altLang="en-US" sz="2600" kern="0" spc="-100" dirty="0">
-                <a:latin typeface="Jalnan OTF"/>
+                <a:latin typeface="SB 어그로 Light" panose="02020603020101020101" pitchFamily="18" charset="-127"/>
+                <a:ea typeface="SB 어그로 Light" panose="02020603020101020101" pitchFamily="18" charset="-127"/>
               </a:rPr>
               <a:t> </a:t>
             </a:r>
             <a:r>
               <a:rPr lang="en-US" altLang="ko-KR" sz="2600" kern="0" spc="-100" dirty="0">
-                <a:latin typeface="Jalnan OTF"/>
+                <a:latin typeface="SB 어그로 Light" panose="02020603020101020101" pitchFamily="18" charset="-127"/>
+                <a:ea typeface="SB 어그로 Light" panose="02020603020101020101" pitchFamily="18" charset="-127"/>
               </a:rPr>
               <a:t>and</a:t>
             </a:r>
             <a:r>
               <a:rPr lang="ko-KR" altLang="en-US" sz="2600" kern="0" spc="-100" dirty="0">
-                <a:latin typeface="Jalnan OTF"/>
+                <a:latin typeface="SB 어그로 Light" panose="02020603020101020101" pitchFamily="18" charset="-127"/>
+                <a:ea typeface="SB 어그로 Light" panose="02020603020101020101" pitchFamily="18" charset="-127"/>
               </a:rPr>
               <a:t> </a:t>
             </a:r>
             <a:endParaRPr lang="en-US" altLang="ko-KR" sz="2600" kern="0" spc="-100" dirty="0">
-              <a:latin typeface="Jalnan OTF"/>
+              <a:latin typeface="SB 어그로 Light" panose="02020603020101020101" pitchFamily="18" charset="-127"/>
+              <a:ea typeface="SB 어그로 Light" panose="02020603020101020101" pitchFamily="18" charset="-127"/>
             </a:endParaRPr>
           </a:p>
           <a:p>
             <a:r>
               <a:rPr lang="en-US" altLang="ko-KR" sz="2600" kern="0" spc="-100" dirty="0">
-                <a:latin typeface="Jalnan OTF"/>
+                <a:latin typeface="SB 어그로 Light" panose="02020603020101020101" pitchFamily="18" charset="-127"/>
+                <a:ea typeface="SB 어그로 Light" panose="02020603020101020101" pitchFamily="18" charset="-127"/>
               </a:rPr>
               <a:t>Achievement level</a:t>
             </a:r>
             <a:endParaRPr lang="ko-KR" altLang="en-US" sz="2600" kern="0" spc="-100" dirty="0">
-              <a:latin typeface="Jalnan OTF"/>
+              <a:latin typeface="SB 어그로 Light" panose="02020603020101020101" pitchFamily="18" charset="-127"/>
+              <a:ea typeface="SB 어그로 Light" panose="02020603020101020101" pitchFamily="18" charset="-127"/>
             </a:endParaRPr>
           </a:p>
         </p:txBody>
@@ -6844,8 +7377,8 @@
         </p:nvSpPr>
         <p:spPr>
           <a:xfrm>
-            <a:off x="1385579" y="2056102"/>
-            <a:ext cx="7681144" cy="1292662"/>
+            <a:off x="1770236" y="2286342"/>
+            <a:ext cx="9882561" cy="1292662"/>
           </a:xfrm>
           <a:prstGeom prst="rect">
             <a:avLst/>
@@ -6863,11 +7396,15 @@
                 <a:solidFill>
                   <a:srgbClr val="000000"/>
                 </a:solidFill>
-                <a:latin typeface="Jalnan OTF" pitchFamily="34" charset="0"/>
+                <a:latin typeface="SB 어그로 Bold" panose="02020603020101020101" pitchFamily="18" charset="-127"/>
+                <a:ea typeface="SB 어그로 Bold" panose="02020603020101020101" pitchFamily="18" charset="-127"/>
               </a:rPr>
               <a:t>Table of Contents</a:t>
             </a:r>
-            <a:endParaRPr lang="en-US" dirty="0"/>
+            <a:endParaRPr lang="en-US" dirty="0">
+              <a:latin typeface="SB 어그로 Bold" panose="02020603020101020101" pitchFamily="18" charset="-127"/>
+              <a:ea typeface="SB 어그로 Bold" panose="02020603020101020101" pitchFamily="18" charset="-127"/>
+            </a:endParaRPr>
           </a:p>
         </p:txBody>
       </p:sp>
@@ -6951,7 +7488,7 @@
         </p:nvSpPr>
         <p:spPr>
           <a:xfrm>
-            <a:off x="10683562" y="3528347"/>
+            <a:off x="10192035" y="4409038"/>
             <a:ext cx="7095201" cy="4339650"/>
           </a:xfrm>
           <a:prstGeom prst="rect">
@@ -6968,13 +7505,15 @@
             <a:pPr algn="ctr"/>
             <a:r>
               <a:rPr lang="en-US" sz="27600" b="1" kern="0" spc="-700" dirty="0">
-                <a:latin typeface="Jalnan OTF"/>
+                <a:latin typeface="SB 어그로 Bold" panose="02020603020101020101" pitchFamily="18" charset="-127"/>
+                <a:ea typeface="SB 어그로 Bold" panose="02020603020101020101" pitchFamily="18" charset="-127"/>
                 <a:cs typeface="Jalnan OTF" pitchFamily="34" charset="0"/>
               </a:rPr>
               <a:t>01</a:t>
             </a:r>
             <a:endParaRPr lang="en-US" b="1" dirty="0">
-              <a:latin typeface="Jalnan OTF"/>
+              <a:latin typeface="SB 어그로 Bold" panose="02020603020101020101" pitchFamily="18" charset="-127"/>
+              <a:ea typeface="SB 어그로 Bold" panose="02020603020101020101" pitchFamily="18" charset="-127"/>
             </a:endParaRPr>
           </a:p>
         </p:txBody>
@@ -7026,8 +7565,8 @@
         </p:nvSpPr>
         <p:spPr>
           <a:xfrm>
-            <a:off x="1970699" y="3954889"/>
-            <a:ext cx="12511663" cy="3077766"/>
+            <a:off x="1777499" y="3993540"/>
+            <a:ext cx="12511663" cy="2585323"/>
           </a:xfrm>
           <a:prstGeom prst="rect">
             <a:avLst/>
@@ -7041,52 +7580,64 @@
           <a:lstStyle/>
           <a:p>
             <a:r>
-              <a:rPr lang="en-US" altLang="ko-KR" sz="8800" b="1" kern="0" spc="-200" dirty="0">
-                <a:ea typeface="+mn-lt"/>
+              <a:rPr lang="en-US" altLang="ko-KR" sz="7200" b="1" kern="0" spc="-200" dirty="0">
+                <a:latin typeface="SB 어그로 Bold" panose="02020603020101020101" pitchFamily="18" charset="-127"/>
+                <a:ea typeface="SB 어그로 Bold" panose="02020603020101020101" pitchFamily="18" charset="-127"/>
                 <a:cs typeface="+mn-lt"/>
               </a:rPr>
               <a:t>Project</a:t>
             </a:r>
             <a:r>
-              <a:rPr lang="ko-KR" altLang="en-US" sz="8800" b="1" kern="0" spc="-200" dirty="0">
-                <a:ea typeface="+mn-lt"/>
+              <a:rPr lang="ko-KR" altLang="en-US" sz="7200" b="1" kern="0" spc="-200" dirty="0">
+                <a:latin typeface="SB 어그로 Bold" panose="02020603020101020101" pitchFamily="18" charset="-127"/>
+                <a:ea typeface="SB 어그로 Bold" panose="02020603020101020101" pitchFamily="18" charset="-127"/>
                 <a:cs typeface="+mn-lt"/>
               </a:rPr>
               <a:t> </a:t>
             </a:r>
             <a:r>
-              <a:rPr lang="en-US" altLang="ko-KR" sz="8800" b="1" kern="0" spc="-200" dirty="0">
-                <a:ea typeface="+mn-lt"/>
+              <a:rPr lang="en-US" altLang="ko-KR" sz="7200" b="1" kern="0" spc="-200" dirty="0">
+                <a:latin typeface="SB 어그로 Bold" panose="02020603020101020101" pitchFamily="18" charset="-127"/>
+                <a:ea typeface="SB 어그로 Bold" panose="02020603020101020101" pitchFamily="18" charset="-127"/>
                 <a:cs typeface="+mn-lt"/>
               </a:rPr>
-              <a:t>theme</a:t>
-            </a:r>
-            <a:br>
-              <a:rPr lang="ko-KR" sz="8800" b="1" kern="0" spc="-200" dirty="0">
-                <a:ea typeface="+mn-lt"/>
+              <a:t>theme &amp;</a:t>
+            </a:r>
+            <a:r>
+              <a:rPr lang="ko-KR" sz="7200" b="1" kern="0" spc="-200" dirty="0">
+                <a:latin typeface="SB 어그로 Bold" panose="02020603020101020101" pitchFamily="18" charset="-127"/>
+                <a:ea typeface="SB 어그로 Bold" panose="02020603020101020101" pitchFamily="18" charset="-127"/>
                 <a:cs typeface="+mn-lt"/>
               </a:rPr>
-            </a:br>
-            <a:r>
-              <a:rPr lang="ko-KR" sz="8800" b="1" kern="0" spc="-200" dirty="0">
-                <a:ea typeface="+mn-lt"/>
+              <a:t> </a:t>
+            </a:r>
+            <a:r>
+              <a:rPr lang="en-US" altLang="ko-KR" sz="7200" b="1" kern="0" spc="-200" dirty="0">
+                <a:latin typeface="SB 어그로 Bold" panose="02020603020101020101" pitchFamily="18" charset="-127"/>
+                <a:ea typeface="SB 어그로 Bold" panose="02020603020101020101" pitchFamily="18" charset="-127"/>
                 <a:cs typeface="+mn-lt"/>
               </a:rPr>
-              <a:t>And </a:t>
-            </a:r>
-            <a:r>
-              <a:rPr lang="ko-KR" sz="8800" b="1" kern="0" spc="-200" dirty="0" err="1">
-                <a:ea typeface="+mn-lt"/>
+              <a:t>I</a:t>
+            </a:r>
+            <a:r>
+              <a:rPr lang="ko-KR" sz="7200" b="1" kern="0" spc="-200" dirty="0" err="1">
+                <a:latin typeface="SB 어그로 Bold" panose="02020603020101020101" pitchFamily="18" charset="-127"/>
+                <a:ea typeface="SB 어그로 Bold" panose="02020603020101020101" pitchFamily="18" charset="-127"/>
                 <a:cs typeface="+mn-lt"/>
               </a:rPr>
-              <a:t>introduction</a:t>
-            </a:r>
-            <a:endParaRPr lang="ko-KR" sz="8800" b="1" kern="0" spc="-200" dirty="0" err="1">
+              <a:t>ntroduction</a:t>
+            </a:r>
+            <a:endParaRPr lang="ko-KR" sz="7200" b="1" kern="0" spc="-200" dirty="0">
+              <a:latin typeface="SB 어그로 Bold" panose="02020603020101020101" pitchFamily="18" charset="-127"/>
+              <a:ea typeface="SB 어그로 Bold" panose="02020603020101020101" pitchFamily="18" charset="-127"/>
               <a:cs typeface="Calibri"/>
             </a:endParaRPr>
           </a:p>
           <a:p>
-            <a:endParaRPr lang="ko-KR" altLang="en-US"/>
+            <a:endParaRPr lang="ko-KR" altLang="en-US" dirty="0">
+              <a:latin typeface="SB 어그로 Bold" panose="02020603020101020101" pitchFamily="18" charset="-127"/>
+              <a:ea typeface="SB 어그로 Bold" panose="02020603020101020101" pitchFamily="18" charset="-127"/>
+            </a:endParaRPr>
           </a:p>
         </p:txBody>
       </p:sp>
@@ -7248,8 +7799,8 @@
         </p:nvSpPr>
         <p:spPr>
           <a:xfrm>
-            <a:off x="3730409" y="2171700"/>
-            <a:ext cx="10824895" cy="1384995"/>
+            <a:off x="3159461" y="1866900"/>
+            <a:ext cx="11966791" cy="1384995"/>
           </a:xfrm>
           <a:prstGeom prst="rect">
             <a:avLst/>
@@ -7269,12 +7820,14 @@
                   <a:srgbClr val="000000"/>
                 </a:solidFill>
                 <a:effectLst/>
-                <a:latin typeface="Calibri (본문)"/>
+                <a:latin typeface="SB 어그로 Light" panose="02020603020101020101" pitchFamily="18" charset="-127"/>
+                <a:ea typeface="SB 어그로 Light" panose="02020603020101020101" pitchFamily="18" charset="-127"/>
               </a:rPr>
               <a:t>Our team made a game using hand recognition technology using Python.</a:t>
             </a:r>
             <a:endParaRPr lang="en-US" sz="4200" dirty="0">
-              <a:latin typeface="Calibri (본문)"/>
+              <a:latin typeface="SB 어그로 Light" panose="02020603020101020101" pitchFamily="18" charset="-127"/>
+              <a:ea typeface="SB 어그로 Light" panose="02020603020101020101" pitchFamily="18" charset="-127"/>
             </a:endParaRPr>
           </a:p>
         </p:txBody>
@@ -7520,8 +8073,8 @@
         </p:nvSpPr>
         <p:spPr>
           <a:xfrm>
-            <a:off x="10683562" y="3528347"/>
-            <a:ext cx="7095201" cy="7360515"/>
+            <a:off x="10183262" y="4451300"/>
+            <a:ext cx="7095201" cy="4339650"/>
           </a:xfrm>
           <a:prstGeom prst="rect">
             <a:avLst/>
@@ -7540,12 +8093,16 @@
                 <a:solidFill>
                   <a:srgbClr val="000000"/>
                 </a:solidFill>
-                <a:latin typeface="Jalnan OTF" pitchFamily="34" charset="0"/>
+                <a:latin typeface="SB 어그로 Bold" panose="02020603020101020101" pitchFamily="18" charset="-127"/>
+                <a:ea typeface="SB 어그로 Bold" panose="02020603020101020101" pitchFamily="18" charset="-127"/>
                 <a:cs typeface="Jalnan OTF" pitchFamily="34" charset="0"/>
               </a:rPr>
               <a:t>02</a:t>
             </a:r>
-            <a:endParaRPr lang="en-US" dirty="0"/>
+            <a:endParaRPr lang="en-US" dirty="0">
+              <a:latin typeface="SB 어그로 Bold" panose="02020603020101020101" pitchFamily="18" charset="-127"/>
+              <a:ea typeface="SB 어그로 Bold" panose="02020603020101020101" pitchFamily="18" charset="-127"/>
+            </a:endParaRPr>
           </a:p>
         </p:txBody>
       </p:sp>
@@ -7597,7 +8154,7 @@
         <p:spPr>
           <a:xfrm>
             <a:off x="1970699" y="3954889"/>
-            <a:ext cx="7415380" cy="2529108"/>
+            <a:ext cx="7415380" cy="1554272"/>
           </a:xfrm>
           <a:prstGeom prst="rect">
             <a:avLst/>
@@ -7615,12 +8172,16 @@
                 <a:solidFill>
                   <a:srgbClr val="FFFFFF"/>
                 </a:solidFill>
-                <a:latin typeface="Jalnan OTF" pitchFamily="34" charset="0"/>
+                <a:latin typeface="SB 어그로 Bold" panose="02020603020101020101" pitchFamily="18" charset="-127"/>
+                <a:ea typeface="SB 어그로 Bold" panose="02020603020101020101" pitchFamily="18" charset="-127"/>
                 <a:cs typeface="Jalnan OTF" pitchFamily="34" charset="0"/>
               </a:rPr>
               <a:t>목차를</a:t>
             </a:r>
-            <a:endParaRPr lang="en-US" dirty="0"/>
+            <a:endParaRPr lang="en-US" dirty="0">
+              <a:latin typeface="SB 어그로 Bold" panose="02020603020101020101" pitchFamily="18" charset="-127"/>
+              <a:ea typeface="SB 어그로 Bold" panose="02020603020101020101" pitchFamily="18" charset="-127"/>
+            </a:endParaRPr>
           </a:p>
         </p:txBody>
       </p:sp>
@@ -7672,7 +8233,7 @@
         <p:spPr>
           <a:xfrm>
             <a:off x="1219200" y="5488755"/>
-            <a:ext cx="12511663" cy="1477328"/>
+            <a:ext cx="12511663" cy="2585323"/>
           </a:xfrm>
           <a:prstGeom prst="rect">
             <a:avLst/>
@@ -7687,92 +8248,117 @@
           <a:p>
             <a:r>
               <a:rPr lang="ko-KR" sz="7200" b="1" kern="0" spc="-200" dirty="0" err="1">
-                <a:ea typeface="+mn-lt"/>
+                <a:latin typeface="SB 어그로 Bold" panose="02020603020101020101" pitchFamily="18" charset="-127"/>
+                <a:ea typeface="SB 어그로 Bold" panose="02020603020101020101" pitchFamily="18" charset="-127"/>
                 <a:cs typeface="+mn-lt"/>
               </a:rPr>
               <a:t>T</a:t>
             </a:r>
             <a:r>
               <a:rPr lang="en-US" altLang="ko-KR" sz="7200" b="1" kern="0" spc="-200" dirty="0">
-                <a:ea typeface="+mn-lt"/>
+                <a:latin typeface="SB 어그로 Bold" panose="02020603020101020101" pitchFamily="18" charset="-127"/>
+                <a:ea typeface="SB 어그로 Bold" panose="02020603020101020101" pitchFamily="18" charset="-127"/>
                 <a:cs typeface="+mn-lt"/>
               </a:rPr>
               <a:t>he</a:t>
             </a:r>
             <a:r>
               <a:rPr lang="ko-KR" altLang="en-US" sz="7200" b="1" kern="0" spc="-200" dirty="0">
-                <a:ea typeface="+mn-lt"/>
+                <a:latin typeface="SB 어그로 Bold" panose="02020603020101020101" pitchFamily="18" charset="-127"/>
+                <a:ea typeface="SB 어그로 Bold" panose="02020603020101020101" pitchFamily="18" charset="-127"/>
                 <a:cs typeface="+mn-lt"/>
               </a:rPr>
               <a:t> </a:t>
             </a:r>
             <a:r>
               <a:rPr lang="en-US" altLang="ko-KR" sz="7200" b="1" kern="0" spc="-200" dirty="0">
-                <a:ea typeface="+mn-lt"/>
+                <a:latin typeface="SB 어그로 Bold" panose="02020603020101020101" pitchFamily="18" charset="-127"/>
+                <a:ea typeface="SB 어그로 Bold" panose="02020603020101020101" pitchFamily="18" charset="-127"/>
                 <a:cs typeface="+mn-lt"/>
               </a:rPr>
               <a:t>roles</a:t>
             </a:r>
             <a:r>
               <a:rPr lang="ko-KR" altLang="en-US" sz="7200" b="1" kern="0" spc="-200" dirty="0">
-                <a:ea typeface="+mn-lt"/>
+                <a:latin typeface="SB 어그로 Bold" panose="02020603020101020101" pitchFamily="18" charset="-127"/>
+                <a:ea typeface="SB 어그로 Bold" panose="02020603020101020101" pitchFamily="18" charset="-127"/>
                 <a:cs typeface="+mn-lt"/>
               </a:rPr>
               <a:t> </a:t>
             </a:r>
             <a:r>
               <a:rPr lang="en-US" altLang="ko-KR" sz="7200" b="1" kern="0" spc="-200" dirty="0">
-                <a:ea typeface="+mn-lt"/>
+                <a:latin typeface="SB 어그로 Bold" panose="02020603020101020101" pitchFamily="18" charset="-127"/>
+                <a:ea typeface="SB 어그로 Bold" panose="02020603020101020101" pitchFamily="18" charset="-127"/>
                 <a:cs typeface="+mn-lt"/>
               </a:rPr>
               <a:t>of</a:t>
             </a:r>
             <a:r>
               <a:rPr lang="ko-KR" altLang="en-US" sz="7200" b="1" kern="0" spc="-200" dirty="0">
-                <a:ea typeface="+mn-lt"/>
+                <a:latin typeface="SB 어그로 Bold" panose="02020603020101020101" pitchFamily="18" charset="-127"/>
+                <a:ea typeface="SB 어그로 Bold" panose="02020603020101020101" pitchFamily="18" charset="-127"/>
                 <a:cs typeface="+mn-lt"/>
               </a:rPr>
               <a:t> </a:t>
             </a:r>
             <a:r>
               <a:rPr lang="en-US" altLang="ko-KR" sz="7200" b="1" kern="0" spc="-200" dirty="0">
-                <a:ea typeface="+mn-lt"/>
+                <a:latin typeface="SB 어그로 Bold" panose="02020603020101020101" pitchFamily="18" charset="-127"/>
+                <a:ea typeface="SB 어그로 Bold" panose="02020603020101020101" pitchFamily="18" charset="-127"/>
                 <a:cs typeface="+mn-lt"/>
               </a:rPr>
               <a:t>the</a:t>
             </a:r>
             <a:r>
               <a:rPr lang="ko-KR" altLang="en-US" sz="7200" b="1" kern="0" spc="-200" dirty="0">
-                <a:ea typeface="+mn-lt"/>
+                <a:latin typeface="SB 어그로 Bold" panose="02020603020101020101" pitchFamily="18" charset="-127"/>
+                <a:ea typeface="SB 어그로 Bold" panose="02020603020101020101" pitchFamily="18" charset="-127"/>
                 <a:cs typeface="+mn-lt"/>
               </a:rPr>
               <a:t> </a:t>
             </a:r>
+            <a:endParaRPr lang="en-US" altLang="ko-KR" sz="7200" b="1" kern="0" spc="-200" dirty="0">
+              <a:latin typeface="SB 어그로 Bold" panose="02020603020101020101" pitchFamily="18" charset="-127"/>
+              <a:ea typeface="SB 어그로 Bold" panose="02020603020101020101" pitchFamily="18" charset="-127"/>
+              <a:cs typeface="+mn-lt"/>
+            </a:endParaRPr>
+          </a:p>
+          <a:p>
             <a:r>
               <a:rPr lang="en-US" altLang="ko-KR" sz="7200" b="1" kern="0" spc="-200" dirty="0">
-                <a:ea typeface="+mn-lt"/>
+                <a:latin typeface="SB 어그로 Bold" panose="02020603020101020101" pitchFamily="18" charset="-127"/>
+                <a:ea typeface="SB 어그로 Bold" panose="02020603020101020101" pitchFamily="18" charset="-127"/>
                 <a:cs typeface="+mn-lt"/>
               </a:rPr>
               <a:t>team</a:t>
             </a:r>
             <a:r>
               <a:rPr lang="ko-KR" altLang="en-US" sz="7200" b="1" kern="0" spc="-200" dirty="0">
-                <a:ea typeface="+mn-lt"/>
+                <a:latin typeface="SB 어그로 Bold" panose="02020603020101020101" pitchFamily="18" charset="-127"/>
+                <a:ea typeface="SB 어그로 Bold" panose="02020603020101020101" pitchFamily="18" charset="-127"/>
                 <a:cs typeface="+mn-lt"/>
               </a:rPr>
               <a:t> </a:t>
             </a:r>
             <a:r>
               <a:rPr lang="en-US" altLang="ko-KR" sz="7200" b="1" kern="0" spc="-200" dirty="0">
-                <a:ea typeface="+mn-lt"/>
+                <a:latin typeface="SB 어그로 Bold" panose="02020603020101020101" pitchFamily="18" charset="-127"/>
+                <a:ea typeface="SB 어그로 Bold" panose="02020603020101020101" pitchFamily="18" charset="-127"/>
                 <a:cs typeface="+mn-lt"/>
               </a:rPr>
               <a:t>member</a:t>
             </a:r>
-            <a:endParaRPr lang="ko-KR" sz="7200" b="1" dirty="0"/>
-          </a:p>
-          <a:p>
-            <a:endParaRPr lang="ko-KR" dirty="0"/>
+            <a:endParaRPr lang="ko-KR" sz="7200" b="1" dirty="0">
+              <a:latin typeface="SB 어그로 Bold" panose="02020603020101020101" pitchFamily="18" charset="-127"/>
+              <a:ea typeface="SB 어그로 Bold" panose="02020603020101020101" pitchFamily="18" charset="-127"/>
+            </a:endParaRPr>
+          </a:p>
+          <a:p>
+            <a:endParaRPr lang="ko-KR" dirty="0">
+              <a:latin typeface="SB 어그로 Bold" panose="02020603020101020101" pitchFamily="18" charset="-127"/>
+              <a:ea typeface="SB 어그로 Bold" panose="02020603020101020101" pitchFamily="18" charset="-127"/>
+            </a:endParaRPr>
           </a:p>
         </p:txBody>
       </p:sp>
@@ -7989,7 +8575,7 @@
         <p:spPr>
           <a:xfrm>
             <a:off x="5126263" y="5286741"/>
-            <a:ext cx="3801049" cy="661720"/>
+            <a:ext cx="3801049" cy="646331"/>
           </a:xfrm>
           <a:prstGeom prst="rect">
             <a:avLst/>
@@ -8004,16 +8590,20 @@
           <a:p>
             <a:pPr algn="ctr"/>
             <a:r>
-              <a:rPr lang="en-US" sz="3700" kern="0" spc="600" dirty="0">
+              <a:rPr lang="en-US" sz="3600" kern="0" spc="600" dirty="0">
                 <a:solidFill>
                   <a:srgbClr val="FFFFFF"/>
                 </a:solidFill>
-                <a:latin typeface="Jalnan OTF" pitchFamily="34" charset="0"/>
+                <a:latin typeface="SB 어그로 Light" panose="02020603020101020101" pitchFamily="18" charset="-127"/>
+                <a:ea typeface="SB 어그로 Light" panose="02020603020101020101" pitchFamily="18" charset="-127"/>
                 <a:cs typeface="Jalnan OTF" pitchFamily="34" charset="0"/>
               </a:rPr>
               <a:t>김민성</a:t>
             </a:r>
-            <a:endParaRPr lang="en-US" dirty="0"/>
+            <a:endParaRPr lang="en-US" sz="3600" dirty="0">
+              <a:latin typeface="SB 어그로 Light" panose="02020603020101020101" pitchFamily="18" charset="-127"/>
+              <a:ea typeface="SB 어그로 Light" panose="02020603020101020101" pitchFamily="18" charset="-127"/>
+            </a:endParaRPr>
           </a:p>
         </p:txBody>
       </p:sp>
@@ -8026,7 +8616,7 @@
         <p:spPr>
           <a:xfrm>
             <a:off x="600845" y="5203231"/>
-            <a:ext cx="3080425" cy="584775"/>
+            <a:ext cx="3080425" cy="646331"/>
           </a:xfrm>
           <a:prstGeom prst="rect">
             <a:avLst/>
@@ -8041,13 +8631,15 @@
           <a:p>
             <a:pPr algn="ctr"/>
             <a:r>
-              <a:rPr lang="ko-KR" altLang="en-US" sz="3200" b="1" kern="0" spc="-200" dirty="0" err="1">
-                <a:latin typeface="Jalnan OTF"/>
+              <a:rPr lang="ko-KR" altLang="en-US" sz="3600" b="1" kern="0" spc="-200" dirty="0" err="1">
+                <a:latin typeface="SB 어그로 Light" panose="02020603020101020101" pitchFamily="18" charset="-127"/>
+                <a:ea typeface="SB 어그로 Light" panose="02020603020101020101" pitchFamily="18" charset="-127"/>
               </a:rPr>
               <a:t>김동한</a:t>
             </a:r>
-            <a:endParaRPr lang="ko-KR" altLang="en-US" sz="3200" b="1" kern="0" spc="-200" dirty="0">
-              <a:latin typeface="Jalnan OTF"/>
+            <a:endParaRPr lang="ko-KR" altLang="en-US" sz="3600" b="1" kern="0" spc="-200" dirty="0">
+              <a:latin typeface="SB 어그로 Light" panose="02020603020101020101" pitchFamily="18" charset="-127"/>
+              <a:ea typeface="SB 어그로 Light" panose="02020603020101020101" pitchFamily="18" charset="-127"/>
             </a:endParaRPr>
           </a:p>
         </p:txBody>
@@ -8126,7 +8718,7 @@
         <p:spPr>
           <a:xfrm>
             <a:off x="8860302" y="5286741"/>
-            <a:ext cx="3801049" cy="661720"/>
+            <a:ext cx="3801049" cy="646331"/>
           </a:xfrm>
           <a:prstGeom prst="rect">
             <a:avLst/>
@@ -8141,16 +8733,20 @@
           <a:p>
             <a:pPr algn="ctr"/>
             <a:r>
-              <a:rPr lang="en-US" sz="3700" kern="0" spc="600" dirty="0">
+              <a:rPr lang="en-US" sz="3600" kern="0" spc="600" dirty="0">
                 <a:solidFill>
                   <a:srgbClr val="FFFFFF"/>
                 </a:solidFill>
-                <a:latin typeface="Jalnan OTF" pitchFamily="34" charset="0"/>
+                <a:latin typeface="SB 어그로 Light" panose="02020603020101020101" pitchFamily="18" charset="-127"/>
+                <a:ea typeface="SB 어그로 Light" panose="02020603020101020101" pitchFamily="18" charset="-127"/>
                 <a:cs typeface="Jalnan OTF" pitchFamily="34" charset="0"/>
               </a:rPr>
               <a:t>홍예주</a:t>
             </a:r>
-            <a:endParaRPr lang="en-US" dirty="0"/>
+            <a:endParaRPr lang="en-US" sz="3600" dirty="0">
+              <a:latin typeface="SB 어그로 Light" panose="02020603020101020101" pitchFamily="18" charset="-127"/>
+              <a:ea typeface="SB 어그로 Light" panose="02020603020101020101" pitchFamily="18" charset="-127"/>
+            </a:endParaRPr>
           </a:p>
         </p:txBody>
       </p:sp>
@@ -8163,7 +8759,7 @@
         <p:spPr>
           <a:xfrm>
             <a:off x="12433368" y="5327082"/>
-            <a:ext cx="3801049" cy="661720"/>
+            <a:ext cx="3801049" cy="646331"/>
           </a:xfrm>
           <a:prstGeom prst="rect">
             <a:avLst/>
@@ -8178,16 +8774,20 @@
           <a:p>
             <a:pPr algn="ctr"/>
             <a:r>
-              <a:rPr lang="en-US" sz="3700" kern="0" spc="600" dirty="0">
+              <a:rPr lang="en-US" sz="3600" kern="0" spc="600" dirty="0">
                 <a:solidFill>
                   <a:srgbClr val="FFFFFF"/>
                 </a:solidFill>
-                <a:latin typeface="Jalnan OTF" pitchFamily="34" charset="0"/>
+                <a:latin typeface="SB 어그로 Light" panose="02020603020101020101" pitchFamily="18" charset="-127"/>
+                <a:ea typeface="SB 어그로 Light" panose="02020603020101020101" pitchFamily="18" charset="-127"/>
                 <a:cs typeface="Jalnan OTF" pitchFamily="34" charset="0"/>
               </a:rPr>
               <a:t>박찬희</a:t>
             </a:r>
-            <a:endParaRPr lang="en-US" dirty="0"/>
+            <a:endParaRPr lang="en-US" sz="3600" dirty="0">
+              <a:latin typeface="SB 어그로 Light" panose="02020603020101020101" pitchFamily="18" charset="-127"/>
+              <a:ea typeface="SB 어그로 Light" panose="02020603020101020101" pitchFamily="18" charset="-127"/>
+            </a:endParaRPr>
           </a:p>
         </p:txBody>
       </p:sp>
@@ -8380,7 +8980,7 @@
         <p:spPr>
           <a:xfrm>
             <a:off x="4142007" y="5203231"/>
-            <a:ext cx="3080425" cy="584775"/>
+            <a:ext cx="3080425" cy="646331"/>
           </a:xfrm>
           <a:prstGeom prst="rect">
             <a:avLst/>
@@ -8395,16 +8995,18 @@
           <a:p>
             <a:pPr algn="ctr"/>
             <a:r>
-              <a:rPr lang="ko-KR" altLang="en-US" sz="3200" b="1" kern="0" spc="-200" dirty="0">
+              <a:rPr lang="ko-KR" altLang="en-US" sz="3600" b="1" kern="0" spc="-200" dirty="0">
                 <a:solidFill>
                   <a:srgbClr val="000000"/>
                 </a:solidFill>
-                <a:latin typeface="Jalnan OTF"/>
+                <a:latin typeface="SB 어그로 Light" panose="02020603020101020101" pitchFamily="18" charset="-127"/>
+                <a:ea typeface="SB 어그로 Light" panose="02020603020101020101" pitchFamily="18" charset="-127"/>
               </a:rPr>
               <a:t>김재홍</a:t>
             </a:r>
-            <a:endParaRPr lang="ko-KR" altLang="en-US" sz="3200" b="1" kern="0" spc="-200" dirty="0">
-              <a:latin typeface="Jalnan OTF"/>
+            <a:endParaRPr lang="ko-KR" altLang="en-US" sz="3600" b="1" kern="0" spc="-200" dirty="0">
+              <a:latin typeface="SB 어그로 Light" panose="02020603020101020101" pitchFamily="18" charset="-127"/>
+              <a:ea typeface="SB 어그로 Light" panose="02020603020101020101" pitchFamily="18" charset="-127"/>
               <a:cs typeface="Calibri"/>
             </a:endParaRPr>
           </a:p>
@@ -8653,7 +9255,7 @@
         <p:spPr>
           <a:xfrm>
             <a:off x="7753539" y="5206096"/>
-            <a:ext cx="3080425" cy="584775"/>
+            <a:ext cx="3080425" cy="646331"/>
           </a:xfrm>
           <a:prstGeom prst="rect">
             <a:avLst/>
@@ -8668,15 +9270,18 @@
           <a:p>
             <a:pPr algn="ctr"/>
             <a:r>
-              <a:rPr lang="ko-KR" altLang="en-US" sz="3200" b="1" kern="0" spc="-200" dirty="0" err="1">
+              <a:rPr lang="ko-KR" altLang="en-US" sz="3600" b="1" kern="0" spc="-200" dirty="0" err="1">
                 <a:solidFill>
                   <a:srgbClr val="000000"/>
                 </a:solidFill>
-                <a:latin typeface="Jalnan OTF"/>
+                <a:latin typeface="SB 어그로 Light" panose="02020603020101020101" pitchFamily="18" charset="-127"/>
+                <a:ea typeface="SB 어그로 Light" panose="02020603020101020101" pitchFamily="18" charset="-127"/>
               </a:rPr>
               <a:t>박준하</a:t>
             </a:r>
-            <a:endParaRPr lang="en-US" sz="3200" b="1" dirty="0" err="1">
+            <a:endParaRPr lang="en-US" sz="3600" b="1" dirty="0" err="1">
+              <a:latin typeface="SB 어그로 Light" panose="02020603020101020101" pitchFamily="18" charset="-127"/>
+              <a:ea typeface="SB 어그로 Light" panose="02020603020101020101" pitchFamily="18" charset="-127"/>
               <a:cs typeface="Calibri"/>
             </a:endParaRPr>
           </a:p>
@@ -8938,7 +9543,7 @@
         <p:spPr>
           <a:xfrm>
             <a:off x="11263221" y="5192648"/>
-            <a:ext cx="3080425" cy="584775"/>
+            <a:ext cx="3080425" cy="646331"/>
           </a:xfrm>
           <a:prstGeom prst="rect">
             <a:avLst/>
@@ -8953,15 +9558,18 @@
           <a:p>
             <a:pPr algn="ctr"/>
             <a:r>
-              <a:rPr lang="ko-KR" altLang="en-US" sz="3200" b="1" kern="0" spc="-200" dirty="0">
+              <a:rPr lang="ko-KR" altLang="en-US" sz="3600" b="1" kern="0" spc="-200" dirty="0">
                 <a:solidFill>
                   <a:srgbClr val="000000"/>
                 </a:solidFill>
-                <a:latin typeface="Jalnan OTF"/>
+                <a:latin typeface="SB 어그로 Light" panose="02020603020101020101" pitchFamily="18" charset="-127"/>
+                <a:ea typeface="SB 어그로 Light" panose="02020603020101020101" pitchFamily="18" charset="-127"/>
               </a:rPr>
               <a:t>이재욱</a:t>
             </a:r>
-            <a:endParaRPr lang="en-US" sz="3200" dirty="0">
+            <a:endParaRPr lang="en-US" sz="3600" dirty="0">
+              <a:latin typeface="SB 어그로 Light" panose="02020603020101020101" pitchFamily="18" charset="-127"/>
+              <a:ea typeface="SB 어그로 Light" panose="02020603020101020101" pitchFamily="18" charset="-127"/>
               <a:cs typeface="Calibri"/>
             </a:endParaRPr>
           </a:p>
@@ -9214,7 +9822,7 @@
         <p:spPr>
           <a:xfrm>
             <a:off x="14578045" y="5189783"/>
-            <a:ext cx="3080425" cy="584775"/>
+            <a:ext cx="3080425" cy="646331"/>
           </a:xfrm>
           <a:prstGeom prst="rect">
             <a:avLst/>
@@ -9229,15 +9837,18 @@
           <a:p>
             <a:pPr algn="ctr"/>
             <a:r>
-              <a:rPr lang="ko-KR" altLang="en-US" sz="3200" b="1" kern="0" spc="-200" dirty="0" err="1">
+              <a:rPr lang="ko-KR" altLang="en-US" sz="3600" b="1" kern="0" spc="-200" dirty="0" err="1">
                 <a:solidFill>
                   <a:srgbClr val="000000"/>
                 </a:solidFill>
-                <a:latin typeface="Jalnan OTF"/>
+                <a:latin typeface="SB 어그로 Light" panose="02020603020101020101" pitchFamily="18" charset="-127"/>
+                <a:ea typeface="SB 어그로 Light" panose="02020603020101020101" pitchFamily="18" charset="-127"/>
               </a:rPr>
               <a:t>최우준</a:t>
             </a:r>
-            <a:endParaRPr lang="en-US" sz="3200" b="1" dirty="0" err="1">
+            <a:endParaRPr lang="en-US" sz="3600" b="1" dirty="0" err="1">
+              <a:latin typeface="SB 어그로 Light" panose="02020603020101020101" pitchFamily="18" charset="-127"/>
+              <a:ea typeface="SB 어그로 Light" panose="02020603020101020101" pitchFamily="18" charset="-127"/>
               <a:cs typeface="Calibri"/>
             </a:endParaRPr>
           </a:p>
@@ -9344,7 +9955,7 @@
         </p:nvSpPr>
         <p:spPr>
           <a:xfrm>
-            <a:off x="13379658" y="7541025"/>
+            <a:off x="13375549" y="7632869"/>
             <a:ext cx="4268633" cy="707886"/>
           </a:xfrm>
           <a:prstGeom prst="rect">
@@ -9364,7 +9975,8 @@
                 <a:solidFill>
                   <a:srgbClr val="FFFFFF"/>
                 </a:solidFill>
-                <a:latin typeface="Jalnan OTF"/>
+                <a:latin typeface="SB 어그로 Bold" panose="02020603020101020101" pitchFamily="18" charset="-127"/>
+                <a:ea typeface="SB 어그로 Bold" panose="02020603020101020101" pitchFamily="18" charset="-127"/>
                 <a:cs typeface="Jalnan OTF" pitchFamily="34" charset="0"/>
               </a:rPr>
               <a:t>Next </a:t>
@@ -9374,13 +9986,15 @@
                 <a:solidFill>
                   <a:srgbClr val="FFFFFF"/>
                 </a:solidFill>
-                <a:latin typeface="Jalnan OTF"/>
+                <a:latin typeface="SB 어그로 Bold" panose="02020603020101020101" pitchFamily="18" charset="-127"/>
+                <a:ea typeface="SB 어그로 Bold" panose="02020603020101020101" pitchFamily="18" charset="-127"/>
                 <a:cs typeface="Jalnan OTF" pitchFamily="34" charset="0"/>
               </a:rPr>
               <a:t>&gt;</a:t>
             </a:r>
             <a:endParaRPr lang="en-US" dirty="0">
-              <a:latin typeface="Jalnan OTF"/>
+              <a:latin typeface="SB 어그로 Bold" panose="02020603020101020101" pitchFamily="18" charset="-127"/>
+              <a:ea typeface="SB 어그로 Bold" panose="02020603020101020101" pitchFamily="18" charset="-127"/>
             </a:endParaRPr>
           </a:p>
         </p:txBody>
@@ -9976,7 +10590,7 @@
         <p:spPr>
           <a:xfrm>
             <a:off x="10683562" y="3528347"/>
-            <a:ext cx="7095201" cy="7360515"/>
+            <a:ext cx="7095201" cy="4339650"/>
           </a:xfrm>
           <a:prstGeom prst="rect">
             <a:avLst/>
@@ -9995,12 +10609,16 @@
                 <a:solidFill>
                   <a:srgbClr val="000000"/>
                 </a:solidFill>
-                <a:latin typeface="Jalnan OTF" pitchFamily="34" charset="0"/>
+                <a:latin typeface="SB 어그로 Bold" panose="02020603020101020101" pitchFamily="18" charset="-127"/>
+                <a:ea typeface="SB 어그로 Bold" panose="02020603020101020101" pitchFamily="18" charset="-127"/>
                 <a:cs typeface="Jalnan OTF" pitchFamily="34" charset="0"/>
               </a:rPr>
               <a:t>03</a:t>
             </a:r>
-            <a:endParaRPr lang="en-US" dirty="0"/>
+            <a:endParaRPr lang="en-US" dirty="0">
+              <a:latin typeface="SB 어그로 Bold" panose="02020603020101020101" pitchFamily="18" charset="-127"/>
+              <a:ea typeface="SB 어그로 Bold" panose="02020603020101020101" pitchFamily="18" charset="-127"/>
+            </a:endParaRPr>
           </a:p>
         </p:txBody>
       </p:sp>
@@ -10051,8 +10669,8 @@
         </p:nvSpPr>
         <p:spPr>
           <a:xfrm>
-            <a:off x="1970699" y="3954889"/>
-            <a:ext cx="10729666" cy="1831271"/>
+            <a:off x="2590800" y="4405510"/>
+            <a:ext cx="10729666" cy="2585323"/>
           </a:xfrm>
           <a:prstGeom prst="rect">
             <a:avLst/>
@@ -10066,39 +10684,48 @@
           <a:lstStyle/>
           <a:p>
             <a:r>
-              <a:rPr lang="en-US" altLang="ko-KR" sz="9500" b="1" kern="0" spc="-200" dirty="0">
-                <a:ea typeface="+mn-lt"/>
+              <a:rPr lang="en-US" altLang="ko-KR" sz="7200" b="1" kern="0" spc="-200" dirty="0">
+                <a:latin typeface="SB 어그로 Bold" panose="02020603020101020101" pitchFamily="18" charset="-127"/>
+                <a:ea typeface="SB 어그로 Bold" panose="02020603020101020101" pitchFamily="18" charset="-127"/>
                 <a:cs typeface="+mn-lt"/>
               </a:rPr>
               <a:t>Open</a:t>
             </a:r>
             <a:r>
-              <a:rPr lang="ko-KR" altLang="en-US" sz="9500" b="1" kern="0" spc="-200" dirty="0">
-                <a:ea typeface="+mn-lt"/>
+              <a:rPr lang="ko-KR" altLang="en-US" sz="7200" b="1" kern="0" spc="-200" dirty="0">
+                <a:latin typeface="SB 어그로 Bold" panose="02020603020101020101" pitchFamily="18" charset="-127"/>
+                <a:ea typeface="SB 어그로 Bold" panose="02020603020101020101" pitchFamily="18" charset="-127"/>
                 <a:cs typeface="+mn-lt"/>
               </a:rPr>
               <a:t> </a:t>
             </a:r>
             <a:r>
-              <a:rPr lang="en-US" altLang="ko-KR" sz="9500" b="1" kern="0" spc="-200" dirty="0">
-                <a:ea typeface="+mn-lt"/>
+              <a:rPr lang="en-US" altLang="ko-KR" sz="7200" b="1" kern="0" spc="-200" dirty="0">
+                <a:latin typeface="SB 어그로 Bold" panose="02020603020101020101" pitchFamily="18" charset="-127"/>
+                <a:ea typeface="SB 어그로 Bold" panose="02020603020101020101" pitchFamily="18" charset="-127"/>
                 <a:cs typeface="+mn-lt"/>
               </a:rPr>
               <a:t>source </a:t>
             </a:r>
             <a:r>
-              <a:rPr lang="ko-KR" sz="9500" b="1" kern="0" spc="-200" dirty="0" err="1">
-                <a:ea typeface="+mn-lt"/>
+              <a:rPr lang="ko-KR" sz="7200" b="1" kern="0" spc="-200" dirty="0" err="1">
+                <a:latin typeface="SB 어그로 Bold" panose="02020603020101020101" pitchFamily="18" charset="-127"/>
+                <a:ea typeface="SB 어그로 Bold" panose="02020603020101020101" pitchFamily="18" charset="-127"/>
                 <a:cs typeface="+mn-lt"/>
               </a:rPr>
               <a:t>Library</a:t>
             </a:r>
-            <a:endParaRPr lang="ko-KR" sz="9500" b="1" kern="0" spc="-200" dirty="0" err="1">
+            <a:endParaRPr lang="ko-KR" sz="7200" b="1" kern="0" spc="-200" dirty="0" err="1">
+              <a:latin typeface="SB 어그로 Bold" panose="02020603020101020101" pitchFamily="18" charset="-127"/>
+              <a:ea typeface="SB 어그로 Bold" panose="02020603020101020101" pitchFamily="18" charset="-127"/>
               <a:cs typeface="Calibri"/>
             </a:endParaRPr>
           </a:p>
           <a:p>
-            <a:endParaRPr lang="ko-KR" altLang="en-US" dirty="0"/>
+            <a:endParaRPr lang="ko-KR" altLang="en-US" dirty="0">
+              <a:latin typeface="SB 어그로 Bold" panose="02020603020101020101" pitchFamily="18" charset="-127"/>
+              <a:ea typeface="SB 어그로 Bold" panose="02020603020101020101" pitchFamily="18" charset="-127"/>
+            </a:endParaRPr>
           </a:p>
         </p:txBody>
       </p:sp>
@@ -10280,7 +10907,8 @@
                 <a:solidFill>
                   <a:srgbClr val="000000"/>
                 </a:solidFill>
-                <a:latin typeface="Jalnan OTF"/>
+                <a:latin typeface="SB 어그로 Light" panose="02020603020101020101" pitchFamily="18" charset="-127"/>
+                <a:ea typeface="SB 어그로 Light" panose="02020603020101020101" pitchFamily="18" charset="-127"/>
               </a:rPr>
               <a:t>Open</a:t>
             </a:r>
@@ -10289,7 +10917,8 @@
                 <a:solidFill>
                   <a:srgbClr val="000000"/>
                 </a:solidFill>
-                <a:latin typeface="Jalnan OTF"/>
+                <a:latin typeface="SB 어그로 Light" panose="02020603020101020101" pitchFamily="18" charset="-127"/>
+                <a:ea typeface="SB 어그로 Light" panose="02020603020101020101" pitchFamily="18" charset="-127"/>
               </a:rPr>
               <a:t> </a:t>
             </a:r>
@@ -10298,7 +10927,8 @@
                 <a:solidFill>
                   <a:srgbClr val="000000"/>
                 </a:solidFill>
-                <a:latin typeface="Jalnan OTF"/>
+                <a:latin typeface="SB 어그로 Light" panose="02020603020101020101" pitchFamily="18" charset="-127"/>
+                <a:ea typeface="SB 어그로 Light" panose="02020603020101020101" pitchFamily="18" charset="-127"/>
               </a:rPr>
               <a:t>source</a:t>
             </a:r>
@@ -10307,7 +10937,8 @@
                 <a:solidFill>
                   <a:srgbClr val="000000"/>
                 </a:solidFill>
-                <a:latin typeface="Jalnan OTF"/>
+                <a:latin typeface="SB 어그로 Light" panose="02020603020101020101" pitchFamily="18" charset="-127"/>
+                <a:ea typeface="SB 어그로 Light" panose="02020603020101020101" pitchFamily="18" charset="-127"/>
               </a:rPr>
               <a:t> </a:t>
             </a:r>
@@ -10316,12 +10947,14 @@
                 <a:solidFill>
                   <a:srgbClr val="000000"/>
                 </a:solidFill>
-                <a:latin typeface="Jalnan OTF"/>
+                <a:latin typeface="SB 어그로 Light" panose="02020603020101020101" pitchFamily="18" charset="-127"/>
+                <a:ea typeface="SB 어그로 Light" panose="02020603020101020101" pitchFamily="18" charset="-127"/>
               </a:rPr>
               <a:t>library</a:t>
             </a:r>
             <a:endParaRPr lang="ko-KR" altLang="en-US" sz="6800" kern="0" spc="-100" dirty="0" err="1">
-              <a:latin typeface="Jalnan OTF"/>
+              <a:latin typeface="SB 어그로 Light" panose="02020603020101020101" pitchFamily="18" charset="-127"/>
+              <a:ea typeface="SB 어그로 Light" panose="02020603020101020101" pitchFamily="18" charset="-127"/>
             </a:endParaRPr>
           </a:p>
         </p:txBody>
@@ -10335,7 +10968,7 @@
         <p:spPr>
           <a:xfrm>
             <a:off x="1243810" y="6984247"/>
-            <a:ext cx="3222813" cy="749096"/>
+            <a:ext cx="3222813" cy="523220"/>
           </a:xfrm>
           <a:prstGeom prst="rect">
             <a:avLst/>
@@ -10354,12 +10987,16 @@
                 <a:solidFill>
                   <a:srgbClr val="FFFFFF"/>
                 </a:solidFill>
-                <a:latin typeface="Jalnan OTF" pitchFamily="34" charset="0"/>
+                <a:latin typeface="SB 어그로 Light" panose="02020603020101020101" pitchFamily="18" charset="-127"/>
+                <a:ea typeface="SB 어그로 Light" panose="02020603020101020101" pitchFamily="18" charset="-127"/>
                 <a:cs typeface="Jalnan OTF" pitchFamily="34" charset="0"/>
               </a:rPr>
               <a:t>사용자1</a:t>
             </a:r>
-            <a:endParaRPr lang="en-US" dirty="0"/>
+            <a:endParaRPr lang="en-US" dirty="0">
+              <a:latin typeface="SB 어그로 Light" panose="02020603020101020101" pitchFamily="18" charset="-127"/>
+              <a:ea typeface="SB 어그로 Light" panose="02020603020101020101" pitchFamily="18" charset="-127"/>
+            </a:endParaRPr>
           </a:p>
         </p:txBody>
       </p:sp>
@@ -10391,11 +11028,15 @@
                 <a:solidFill>
                   <a:srgbClr val="000000"/>
                 </a:solidFill>
-                <a:latin typeface="Jalnan OTF"/>
+                <a:latin typeface="SB 어그로 Light" panose="02020603020101020101" pitchFamily="18" charset="-127"/>
+                <a:ea typeface="SB 어그로 Light" panose="02020603020101020101" pitchFamily="18" charset="-127"/>
               </a:rPr>
               <a:t>OpenCV</a:t>
             </a:r>
-            <a:endParaRPr lang="en-US" sz="3800" dirty="0"/>
+            <a:endParaRPr lang="en-US" sz="3800" dirty="0">
+              <a:latin typeface="SB 어그로 Light" panose="02020603020101020101" pitchFamily="18" charset="-127"/>
+              <a:ea typeface="SB 어그로 Light" panose="02020603020101020101" pitchFamily="18" charset="-127"/>
+            </a:endParaRPr>
           </a:p>
         </p:txBody>
       </p:sp>
@@ -10408,7 +11049,7 @@
         <p:spPr>
           <a:xfrm>
             <a:off x="5442647" y="6984247"/>
-            <a:ext cx="3222813" cy="749096"/>
+            <a:ext cx="3222813" cy="523220"/>
           </a:xfrm>
           <a:prstGeom prst="rect">
             <a:avLst/>
@@ -10427,12 +11068,16 @@
                 <a:solidFill>
                   <a:srgbClr val="FFFFFF"/>
                 </a:solidFill>
-                <a:latin typeface="Jalnan OTF" pitchFamily="34" charset="0"/>
+                <a:latin typeface="SB 어그로 Light" panose="02020603020101020101" pitchFamily="18" charset="-127"/>
+                <a:ea typeface="SB 어그로 Light" panose="02020603020101020101" pitchFamily="18" charset="-127"/>
                 <a:cs typeface="Jalnan OTF" pitchFamily="34" charset="0"/>
               </a:rPr>
               <a:t>사용자2</a:t>
             </a:r>
-            <a:endParaRPr lang="en-US" dirty="0"/>
+            <a:endParaRPr lang="en-US" dirty="0">
+              <a:latin typeface="SB 어그로 Light" panose="02020603020101020101" pitchFamily="18" charset="-127"/>
+              <a:ea typeface="SB 어그로 Light" panose="02020603020101020101" pitchFamily="18" charset="-127"/>
+            </a:endParaRPr>
           </a:p>
         </p:txBody>
       </p:sp>
@@ -10445,7 +11090,7 @@
         <p:spPr>
           <a:xfrm>
             <a:off x="9663282" y="7073687"/>
-            <a:ext cx="3222813" cy="749096"/>
+            <a:ext cx="3222813" cy="523220"/>
           </a:xfrm>
           <a:prstGeom prst="rect">
             <a:avLst/>
@@ -10464,12 +11109,16 @@
                 <a:solidFill>
                   <a:srgbClr val="FFFFFF"/>
                 </a:solidFill>
-                <a:latin typeface="Jalnan OTF" pitchFamily="34" charset="0"/>
+                <a:latin typeface="SB 어그로 Light" panose="02020603020101020101" pitchFamily="18" charset="-127"/>
+                <a:ea typeface="SB 어그로 Light" panose="02020603020101020101" pitchFamily="18" charset="-127"/>
                 <a:cs typeface="Jalnan OTF" pitchFamily="34" charset="0"/>
               </a:rPr>
               <a:t>사용자3</a:t>
             </a:r>
-            <a:endParaRPr lang="en-US" dirty="0"/>
+            <a:endParaRPr lang="en-US" dirty="0">
+              <a:latin typeface="SB 어그로 Light" panose="02020603020101020101" pitchFamily="18" charset="-127"/>
+              <a:ea typeface="SB 어그로 Light" panose="02020603020101020101" pitchFamily="18" charset="-127"/>
+            </a:endParaRPr>
           </a:p>
         </p:txBody>
       </p:sp>
@@ -10482,7 +11131,7 @@
         <p:spPr>
           <a:xfrm>
             <a:off x="13727507" y="7073687"/>
-            <a:ext cx="3222813" cy="749096"/>
+            <a:ext cx="3222813" cy="523220"/>
           </a:xfrm>
           <a:prstGeom prst="rect">
             <a:avLst/>
@@ -10501,12 +11150,16 @@
                 <a:solidFill>
                   <a:srgbClr val="FFFFFF"/>
                 </a:solidFill>
-                <a:latin typeface="Jalnan OTF" pitchFamily="34" charset="0"/>
+                <a:latin typeface="SB 어그로 Light" panose="02020603020101020101" pitchFamily="18" charset="-127"/>
+                <a:ea typeface="SB 어그로 Light" panose="02020603020101020101" pitchFamily="18" charset="-127"/>
                 <a:cs typeface="Jalnan OTF" pitchFamily="34" charset="0"/>
               </a:rPr>
               <a:t>사용자4</a:t>
             </a:r>
-            <a:endParaRPr lang="en-US" dirty="0"/>
+            <a:endParaRPr lang="en-US" dirty="0">
+              <a:latin typeface="SB 어그로 Light" panose="02020603020101020101" pitchFamily="18" charset="-127"/>
+              <a:ea typeface="SB 어그로 Light" panose="02020603020101020101" pitchFamily="18" charset="-127"/>
+            </a:endParaRPr>
           </a:p>
         </p:txBody>
       </p:sp>
@@ -10538,12 +11191,14 @@
                 <a:solidFill>
                   <a:srgbClr val="000000"/>
                 </a:solidFill>
-                <a:latin typeface="Jalnan OTF"/>
+                <a:latin typeface="SB 어그로 Light" panose="02020603020101020101" pitchFamily="18" charset="-127"/>
+                <a:ea typeface="SB 어그로 Light" panose="02020603020101020101" pitchFamily="18" charset="-127"/>
               </a:rPr>
               <a:t>TKINTER</a:t>
             </a:r>
             <a:endParaRPr lang="ko-KR" altLang="en-US" sz="3800" kern="0" spc="-200" dirty="0" err="1">
-              <a:latin typeface="Jalnan OTF"/>
+              <a:latin typeface="SB 어그로 Light" panose="02020603020101020101" pitchFamily="18" charset="-127"/>
+              <a:ea typeface="SB 어그로 Light" panose="02020603020101020101" pitchFamily="18" charset="-127"/>
             </a:endParaRPr>
           </a:p>
         </p:txBody>
@@ -10576,11 +11231,15 @@
                 <a:solidFill>
                   <a:srgbClr val="000000"/>
                 </a:solidFill>
-                <a:latin typeface="Jalnan OTF"/>
+                <a:latin typeface="SB 어그로 Light" panose="02020603020101020101" pitchFamily="18" charset="-127"/>
+                <a:ea typeface="SB 어그로 Light" panose="02020603020101020101" pitchFamily="18" charset="-127"/>
               </a:rPr>
               <a:t>NumPy</a:t>
             </a:r>
-            <a:endParaRPr lang="en-US" sz="3800" dirty="0"/>
+            <a:endParaRPr lang="en-US" sz="3800" dirty="0">
+              <a:latin typeface="SB 어그로 Light" panose="02020603020101020101" pitchFamily="18" charset="-127"/>
+              <a:ea typeface="SB 어그로 Light" panose="02020603020101020101" pitchFamily="18" charset="-127"/>
+            </a:endParaRPr>
           </a:p>
         </p:txBody>
       </p:sp>
@@ -10612,11 +11271,15 @@
                 <a:solidFill>
                   <a:srgbClr val="000000"/>
                 </a:solidFill>
-                <a:latin typeface="Jalnan OTF"/>
+                <a:latin typeface="SB 어그로 Light" panose="02020603020101020101" pitchFamily="18" charset="-127"/>
+                <a:ea typeface="SB 어그로 Light" panose="02020603020101020101" pitchFamily="18" charset="-127"/>
               </a:rPr>
               <a:t>MediaPipe</a:t>
             </a:r>
-            <a:endParaRPr lang="en-US" sz="3800" dirty="0"/>
+            <a:endParaRPr lang="en-US" sz="3800" dirty="0">
+              <a:latin typeface="SB 어그로 Light" panose="02020603020101020101" pitchFamily="18" charset="-127"/>
+              <a:ea typeface="SB 어그로 Light" panose="02020603020101020101" pitchFamily="18" charset="-127"/>
+            </a:endParaRPr>
           </a:p>
         </p:txBody>
       </p:sp>
@@ -11186,11 +11849,15 @@
                 <a:solidFill>
                   <a:srgbClr val="000000"/>
                 </a:solidFill>
-                <a:latin typeface="Jalnan OTF"/>
+                <a:latin typeface="SB 어그로 Bold" panose="02020603020101020101" pitchFamily="18" charset="-127"/>
+                <a:ea typeface="SB 어그로 Bold" panose="02020603020101020101" pitchFamily="18" charset="-127"/>
               </a:rPr>
               <a:t>04</a:t>
             </a:r>
-            <a:endParaRPr lang="en-US" dirty="0"/>
+            <a:endParaRPr lang="en-US" dirty="0">
+              <a:latin typeface="SB 어그로 Bold" panose="02020603020101020101" pitchFamily="18" charset="-127"/>
+              <a:ea typeface="SB 어그로 Bold" panose="02020603020101020101" pitchFamily="18" charset="-127"/>
+            </a:endParaRPr>
           </a:p>
         </p:txBody>
       </p:sp>
@@ -11241,8 +11908,8 @@
         </p:nvSpPr>
         <p:spPr>
           <a:xfrm>
-            <a:off x="1970699" y="3954889"/>
-            <a:ext cx="10729666" cy="1831271"/>
+            <a:off x="2362200" y="4268850"/>
+            <a:ext cx="10729666" cy="2585323"/>
           </a:xfrm>
           <a:prstGeom prst="rect">
             <a:avLst/>
@@ -11256,44 +11923,55 @@
           <a:lstStyle/>
           <a:p>
             <a:r>
-              <a:rPr lang="ko-KR" sz="9500" b="1" kern="0" spc="-200" dirty="0" err="1">
-                <a:ea typeface="+mn-lt"/>
+              <a:rPr lang="ko-KR" sz="7200" b="1" kern="0" spc="-200" dirty="0" err="1">
+                <a:latin typeface="SB 어그로 Bold" panose="02020603020101020101" pitchFamily="18" charset="-127"/>
+                <a:ea typeface="SB 어그로 Bold" panose="02020603020101020101" pitchFamily="18" charset="-127"/>
                 <a:cs typeface="+mn-lt"/>
               </a:rPr>
               <a:t>Open</a:t>
             </a:r>
             <a:r>
-              <a:rPr lang="ko-KR" sz="9500" b="1" kern="0" spc="-200" dirty="0">
-                <a:ea typeface="+mn-lt"/>
+              <a:rPr lang="ko-KR" sz="7200" b="1" kern="0" spc="-200" dirty="0">
+                <a:latin typeface="SB 어그로 Bold" panose="02020603020101020101" pitchFamily="18" charset="-127"/>
+                <a:ea typeface="SB 어그로 Bold" panose="02020603020101020101" pitchFamily="18" charset="-127"/>
                 <a:cs typeface="+mn-lt"/>
               </a:rPr>
               <a:t> </a:t>
             </a:r>
             <a:r>
-              <a:rPr lang="ko-KR" sz="9500" b="1" kern="0" spc="-200" dirty="0" err="1">
-                <a:ea typeface="+mn-lt"/>
+              <a:rPr lang="ko-KR" sz="7200" b="1" kern="0" spc="-200" dirty="0" err="1">
+                <a:latin typeface="SB 어그로 Bold" panose="02020603020101020101" pitchFamily="18" charset="-127"/>
+                <a:ea typeface="SB 어그로 Bold" panose="02020603020101020101" pitchFamily="18" charset="-127"/>
                 <a:cs typeface="+mn-lt"/>
               </a:rPr>
               <a:t>source</a:t>
             </a:r>
             <a:r>
-              <a:rPr lang="ko-KR" sz="9500" b="1" kern="0" spc="-200" dirty="0">
-                <a:ea typeface="+mn-lt"/>
+              <a:rPr lang="ko-KR" sz="7200" b="1" kern="0" spc="-200" dirty="0">
+                <a:latin typeface="SB 어그로 Bold" panose="02020603020101020101" pitchFamily="18" charset="-127"/>
+                <a:ea typeface="SB 어그로 Bold" panose="02020603020101020101" pitchFamily="18" charset="-127"/>
                 <a:cs typeface="+mn-lt"/>
               </a:rPr>
               <a:t> </a:t>
             </a:r>
             <a:r>
-              <a:rPr lang="ko-KR" sz="9500" b="1" kern="0" spc="-200" dirty="0" err="1">
-                <a:ea typeface="+mn-lt"/>
+              <a:rPr lang="ko-KR" sz="7200" b="1" kern="0" spc="-200" dirty="0" err="1">
+                <a:latin typeface="SB 어그로 Bold" panose="02020603020101020101" pitchFamily="18" charset="-127"/>
+                <a:ea typeface="SB 어그로 Bold" panose="02020603020101020101" pitchFamily="18" charset="-127"/>
                 <a:cs typeface="+mn-lt"/>
               </a:rPr>
               <a:t>license</a:t>
             </a:r>
-            <a:endParaRPr lang="ko-KR" altLang="en-US" b="1" dirty="0" err="1"/>
-          </a:p>
-          <a:p>
-            <a:endParaRPr lang="ko-KR" altLang="en-US"/>
+            <a:endParaRPr lang="ko-KR" altLang="en-US" sz="7200" b="1" dirty="0" err="1">
+              <a:latin typeface="SB 어그로 Bold" panose="02020603020101020101" pitchFamily="18" charset="-127"/>
+              <a:ea typeface="SB 어그로 Bold" panose="02020603020101020101" pitchFamily="18" charset="-127"/>
+            </a:endParaRPr>
+          </a:p>
+          <a:p>
+            <a:endParaRPr lang="ko-KR" altLang="en-US" dirty="0">
+              <a:latin typeface="SB 어그로 Bold" panose="02020603020101020101" pitchFamily="18" charset="-127"/>
+              <a:ea typeface="SB 어그로 Bold" panose="02020603020101020101" pitchFamily="18" charset="-127"/>
+            </a:endParaRPr>
           </a:p>
         </p:txBody>
       </p:sp>
